--- a/Mesleki Proje(Teslim)/Proje_Sunum.pptx
+++ b/Mesleki Proje(Teslim)/Proje_Sunum.pptx
@@ -9,16 +9,17 @@
     <p:sldId id="257" r:id="rId3"/>
     <p:sldId id="259" r:id="rId4"/>
     <p:sldId id="260" r:id="rId5"/>
-    <p:sldId id="261" r:id="rId6"/>
-    <p:sldId id="262" r:id="rId7"/>
-    <p:sldId id="263" r:id="rId8"/>
-    <p:sldId id="264" r:id="rId9"/>
-    <p:sldId id="266" r:id="rId10"/>
-    <p:sldId id="265" r:id="rId11"/>
-    <p:sldId id="267" r:id="rId12"/>
-    <p:sldId id="268" r:id="rId13"/>
-    <p:sldId id="269" r:id="rId14"/>
-    <p:sldId id="270" r:id="rId15"/>
+    <p:sldId id="271" r:id="rId6"/>
+    <p:sldId id="261" r:id="rId7"/>
+    <p:sldId id="262" r:id="rId8"/>
+    <p:sldId id="263" r:id="rId9"/>
+    <p:sldId id="264" r:id="rId10"/>
+    <p:sldId id="267" r:id="rId11"/>
+    <p:sldId id="266" r:id="rId12"/>
+    <p:sldId id="265" r:id="rId13"/>
+    <p:sldId id="268" r:id="rId14"/>
+    <p:sldId id="269" r:id="rId15"/>
+    <p:sldId id="270" r:id="rId16"/>
   </p:sldIdLst>
   <p:sldSz cx="12192000" cy="6858000"/>
   <p:notesSz cx="6858000" cy="9144000"/>
@@ -119,7 +120,7 @@
   </p:defaultTextStyle>
   <p:extLst>
     <p:ext uri="{EFAFB233-063F-42B5-8137-9DF3F51BA10A}">
-      <p15:sldGuideLst xmlns:p15="http://schemas.microsoft.com/office/powerpoint/2012/main"/>
+      <p15:sldGuideLst xmlns="" xmlns:p15="http://schemas.microsoft.com/office/powerpoint/2012/main"/>
     </p:ext>
   </p:extLst>
 </p:presentation>
@@ -155,7 +156,7 @@
             <a:alphaModFix amt="30000"/>
             <a:extLst>
               <a:ext uri="{28A0092B-C50C-407E-A947-70E740481C1C}">
-                <a14:useLocalDpi xmlns:a14="http://schemas.microsoft.com/office/drawing/2010/main" val="0"/>
+                <a14:useLocalDpi xmlns="" xmlns:a14="http://schemas.microsoft.com/office/drawing/2010/main" val="0"/>
               </a:ext>
             </a:extLst>
           </a:blip>
@@ -4401,7 +4402,8 @@
           <a:p>
             <a:fld id="{6183C96F-013F-4EBC-ACE4-96D1AEBDCB6A}" type="datetimeFigureOut">
               <a:rPr lang="tr-TR" smtClean="0"/>
-              <a:t>15.06.2023</a:t>
+              <a:pPr/>
+              <a:t>16.06.2023</a:t>
             </a:fld>
             <a:endParaRPr lang="tr-TR"/>
           </a:p>
@@ -4453,6 +4455,7 @@
           <a:p>
             <a:fld id="{B72B1BC5-5B7A-4867-843C-D40A49D5568B}" type="slidenum">
               <a:rPr lang="tr-TR" smtClean="0"/>
+              <a:pPr/>
               <a:t>‹#›</a:t>
             </a:fld>
             <a:endParaRPr lang="tr-TR"/>
@@ -4462,7 +4465,7 @@
     </p:spTree>
     <p:extLst>
       <p:ext uri="{BB962C8B-B14F-4D97-AF65-F5344CB8AC3E}">
-        <p14:creationId xmlns:p14="http://schemas.microsoft.com/office/powerpoint/2010/main" val="3395925301"/>
+        <p14:creationId xmlns="" xmlns:p14="http://schemas.microsoft.com/office/powerpoint/2010/main" val="3395925301"/>
       </p:ext>
     </p:extLst>
   </p:cSld>
@@ -4668,7 +4671,8 @@
           <a:p>
             <a:fld id="{6183C96F-013F-4EBC-ACE4-96D1AEBDCB6A}" type="datetimeFigureOut">
               <a:rPr lang="tr-TR" smtClean="0"/>
-              <a:t>15.06.2023</a:t>
+              <a:pPr/>
+              <a:t>16.06.2023</a:t>
             </a:fld>
             <a:endParaRPr lang="tr-TR"/>
           </a:p>
@@ -4710,6 +4714,7 @@
           <a:p>
             <a:fld id="{B72B1BC5-5B7A-4867-843C-D40A49D5568B}" type="slidenum">
               <a:rPr lang="tr-TR" smtClean="0"/>
+              <a:pPr/>
               <a:t>‹#›</a:t>
             </a:fld>
             <a:endParaRPr lang="tr-TR"/>
@@ -4719,7 +4724,7 @@
     </p:spTree>
     <p:extLst>
       <p:ext uri="{BB962C8B-B14F-4D97-AF65-F5344CB8AC3E}">
-        <p14:creationId xmlns:p14="http://schemas.microsoft.com/office/powerpoint/2010/main" val="974434490"/>
+        <p14:creationId xmlns="" xmlns:p14="http://schemas.microsoft.com/office/powerpoint/2010/main" val="974434490"/>
       </p:ext>
     </p:extLst>
   </p:cSld>
@@ -4864,7 +4869,8 @@
           <a:p>
             <a:fld id="{6183C96F-013F-4EBC-ACE4-96D1AEBDCB6A}" type="datetimeFigureOut">
               <a:rPr lang="tr-TR" smtClean="0"/>
-              <a:t>15.06.2023</a:t>
+              <a:pPr/>
+              <a:t>16.06.2023</a:t>
             </a:fld>
             <a:endParaRPr lang="tr-TR"/>
           </a:p>
@@ -4906,6 +4912,7 @@
           <a:p>
             <a:fld id="{B72B1BC5-5B7A-4867-843C-D40A49D5568B}" type="slidenum">
               <a:rPr lang="tr-TR" smtClean="0"/>
+              <a:pPr/>
               <a:t>‹#›</a:t>
             </a:fld>
             <a:endParaRPr lang="tr-TR"/>
@@ -4915,7 +4922,7 @@
     </p:spTree>
     <p:extLst>
       <p:ext uri="{BB962C8B-B14F-4D97-AF65-F5344CB8AC3E}">
-        <p14:creationId xmlns:p14="http://schemas.microsoft.com/office/powerpoint/2010/main" val="4208504547"/>
+        <p14:creationId xmlns="" xmlns:p14="http://schemas.microsoft.com/office/powerpoint/2010/main" val="4208504547"/>
       </p:ext>
     </p:extLst>
   </p:cSld>
@@ -5127,7 +5134,8 @@
           <a:p>
             <a:fld id="{6183C96F-013F-4EBC-ACE4-96D1AEBDCB6A}" type="datetimeFigureOut">
               <a:rPr lang="tr-TR" smtClean="0"/>
-              <a:t>15.06.2023</a:t>
+              <a:pPr/>
+              <a:t>16.06.2023</a:t>
             </a:fld>
             <a:endParaRPr lang="tr-TR"/>
           </a:p>
@@ -5169,6 +5177,7 @@
           <a:p>
             <a:fld id="{B72B1BC5-5B7A-4867-843C-D40A49D5568B}" type="slidenum">
               <a:rPr lang="tr-TR" smtClean="0"/>
+              <a:pPr/>
               <a:t>‹#›</a:t>
             </a:fld>
             <a:endParaRPr lang="tr-TR"/>
@@ -5416,7 +5425,7 @@
     </p:spTree>
     <p:extLst>
       <p:ext uri="{BB962C8B-B14F-4D97-AF65-F5344CB8AC3E}">
-        <p14:creationId xmlns:p14="http://schemas.microsoft.com/office/powerpoint/2010/main" val="3776959384"/>
+        <p14:creationId xmlns="" xmlns:p14="http://schemas.microsoft.com/office/powerpoint/2010/main" val="3776959384"/>
       </p:ext>
     </p:extLst>
   </p:cSld>
@@ -5561,7 +5570,8 @@
           <a:p>
             <a:fld id="{6183C96F-013F-4EBC-ACE4-96D1AEBDCB6A}" type="datetimeFigureOut">
               <a:rPr lang="tr-TR" smtClean="0"/>
-              <a:t>15.06.2023</a:t>
+              <a:pPr/>
+              <a:t>16.06.2023</a:t>
             </a:fld>
             <a:endParaRPr lang="tr-TR"/>
           </a:p>
@@ -5603,6 +5613,7 @@
           <a:p>
             <a:fld id="{B72B1BC5-5B7A-4867-843C-D40A49D5568B}" type="slidenum">
               <a:rPr lang="tr-TR" smtClean="0"/>
+              <a:pPr/>
               <a:t>‹#›</a:t>
             </a:fld>
             <a:endParaRPr lang="tr-TR"/>
@@ -5612,7 +5623,7 @@
     </p:spTree>
     <p:extLst>
       <p:ext uri="{BB962C8B-B14F-4D97-AF65-F5344CB8AC3E}">
-        <p14:creationId xmlns:p14="http://schemas.microsoft.com/office/powerpoint/2010/main" val="3801217240"/>
+        <p14:creationId xmlns="" xmlns:p14="http://schemas.microsoft.com/office/powerpoint/2010/main" val="3801217240"/>
       </p:ext>
     </p:extLst>
   </p:cSld>
@@ -6107,7 +6118,8 @@
           <a:p>
             <a:fld id="{6183C96F-013F-4EBC-ACE4-96D1AEBDCB6A}" type="datetimeFigureOut">
               <a:rPr lang="tr-TR" smtClean="0"/>
-              <a:t>15.06.2023</a:t>
+              <a:pPr/>
+              <a:t>16.06.2023</a:t>
             </a:fld>
             <a:endParaRPr lang="tr-TR"/>
           </a:p>
@@ -6149,6 +6161,7 @@
           <a:p>
             <a:fld id="{B72B1BC5-5B7A-4867-843C-D40A49D5568B}" type="slidenum">
               <a:rPr lang="tr-TR" smtClean="0"/>
+              <a:pPr/>
               <a:t>‹#›</a:t>
             </a:fld>
             <a:endParaRPr lang="tr-TR"/>
@@ -6158,7 +6171,7 @@
     </p:spTree>
     <p:extLst>
       <p:ext uri="{BB962C8B-B14F-4D97-AF65-F5344CB8AC3E}">
-        <p14:creationId xmlns:p14="http://schemas.microsoft.com/office/powerpoint/2010/main" val="2381316579"/>
+        <p14:creationId xmlns="" xmlns:p14="http://schemas.microsoft.com/office/powerpoint/2010/main" val="2381316579"/>
       </p:ext>
     </p:extLst>
   </p:cSld>
@@ -6827,7 +6840,8 @@
           <a:p>
             <a:fld id="{6183C96F-013F-4EBC-ACE4-96D1AEBDCB6A}" type="datetimeFigureOut">
               <a:rPr lang="tr-TR" smtClean="0"/>
-              <a:t>15.06.2023</a:t>
+              <a:pPr/>
+              <a:t>16.06.2023</a:t>
             </a:fld>
             <a:endParaRPr lang="tr-TR"/>
           </a:p>
@@ -6869,6 +6883,7 @@
           <a:p>
             <a:fld id="{B72B1BC5-5B7A-4867-843C-D40A49D5568B}" type="slidenum">
               <a:rPr lang="tr-TR" smtClean="0"/>
+              <a:pPr/>
               <a:t>‹#›</a:t>
             </a:fld>
             <a:endParaRPr lang="tr-TR"/>
@@ -6878,7 +6893,7 @@
     </p:spTree>
     <p:extLst>
       <p:ext uri="{BB962C8B-B14F-4D97-AF65-F5344CB8AC3E}">
-        <p14:creationId xmlns:p14="http://schemas.microsoft.com/office/powerpoint/2010/main" val="497406994"/>
+        <p14:creationId xmlns="" xmlns:p14="http://schemas.microsoft.com/office/powerpoint/2010/main" val="497406994"/>
       </p:ext>
     </p:extLst>
   </p:cSld>
@@ -6997,7 +7012,8 @@
           <a:p>
             <a:fld id="{6183C96F-013F-4EBC-ACE4-96D1AEBDCB6A}" type="datetimeFigureOut">
               <a:rPr lang="tr-TR" smtClean="0"/>
-              <a:t>15.06.2023</a:t>
+              <a:pPr/>
+              <a:t>16.06.2023</a:t>
             </a:fld>
             <a:endParaRPr lang="tr-TR"/>
           </a:p>
@@ -7039,6 +7055,7 @@
           <a:p>
             <a:fld id="{B72B1BC5-5B7A-4867-843C-D40A49D5568B}" type="slidenum">
               <a:rPr lang="tr-TR" smtClean="0"/>
+              <a:pPr/>
               <a:t>‹#›</a:t>
             </a:fld>
             <a:endParaRPr lang="tr-TR"/>
@@ -7048,7 +7065,7 @@
     </p:spTree>
     <p:extLst>
       <p:ext uri="{BB962C8B-B14F-4D97-AF65-F5344CB8AC3E}">
-        <p14:creationId xmlns:p14="http://schemas.microsoft.com/office/powerpoint/2010/main" val="2006852033"/>
+        <p14:creationId xmlns="" xmlns:p14="http://schemas.microsoft.com/office/powerpoint/2010/main" val="2006852033"/>
       </p:ext>
     </p:extLst>
   </p:cSld>
@@ -7177,7 +7194,8 @@
           <a:p>
             <a:fld id="{6183C96F-013F-4EBC-ACE4-96D1AEBDCB6A}" type="datetimeFigureOut">
               <a:rPr lang="tr-TR" smtClean="0"/>
-              <a:t>15.06.2023</a:t>
+              <a:pPr/>
+              <a:t>16.06.2023</a:t>
             </a:fld>
             <a:endParaRPr lang="tr-TR"/>
           </a:p>
@@ -7219,6 +7237,7 @@
           <a:p>
             <a:fld id="{B72B1BC5-5B7A-4867-843C-D40A49D5568B}" type="slidenum">
               <a:rPr lang="tr-TR" smtClean="0"/>
+              <a:pPr/>
               <a:t>‹#›</a:t>
             </a:fld>
             <a:endParaRPr lang="tr-TR"/>
@@ -7228,7 +7247,7 @@
     </p:spTree>
     <p:extLst>
       <p:ext uri="{BB962C8B-B14F-4D97-AF65-F5344CB8AC3E}">
-        <p14:creationId xmlns:p14="http://schemas.microsoft.com/office/powerpoint/2010/main" val="1971560004"/>
+        <p14:creationId xmlns="" xmlns:p14="http://schemas.microsoft.com/office/powerpoint/2010/main" val="1971560004"/>
       </p:ext>
     </p:extLst>
   </p:cSld>
@@ -7347,7 +7366,8 @@
           <a:p>
             <a:fld id="{6183C96F-013F-4EBC-ACE4-96D1AEBDCB6A}" type="datetimeFigureOut">
               <a:rPr lang="tr-TR" smtClean="0"/>
-              <a:t>15.06.2023</a:t>
+              <a:pPr/>
+              <a:t>16.06.2023</a:t>
             </a:fld>
             <a:endParaRPr lang="tr-TR"/>
           </a:p>
@@ -7389,6 +7409,7 @@
           <a:p>
             <a:fld id="{B72B1BC5-5B7A-4867-843C-D40A49D5568B}" type="slidenum">
               <a:rPr lang="tr-TR" smtClean="0"/>
+              <a:pPr/>
               <a:t>‹#›</a:t>
             </a:fld>
             <a:endParaRPr lang="tr-TR"/>
@@ -7398,7 +7419,7 @@
     </p:spTree>
     <p:extLst>
       <p:ext uri="{BB962C8B-B14F-4D97-AF65-F5344CB8AC3E}">
-        <p14:creationId xmlns:p14="http://schemas.microsoft.com/office/powerpoint/2010/main" val="3723065849"/>
+        <p14:creationId xmlns="" xmlns:p14="http://schemas.microsoft.com/office/powerpoint/2010/main" val="3723065849"/>
       </p:ext>
     </p:extLst>
   </p:cSld>
@@ -7597,7 +7618,8 @@
           <a:p>
             <a:fld id="{6183C96F-013F-4EBC-ACE4-96D1AEBDCB6A}" type="datetimeFigureOut">
               <a:rPr lang="tr-TR" smtClean="0"/>
-              <a:t>15.06.2023</a:t>
+              <a:pPr/>
+              <a:t>16.06.2023</a:t>
             </a:fld>
             <a:endParaRPr lang="tr-TR"/>
           </a:p>
@@ -7639,6 +7661,7 @@
           <a:p>
             <a:fld id="{B72B1BC5-5B7A-4867-843C-D40A49D5568B}" type="slidenum">
               <a:rPr lang="tr-TR" smtClean="0"/>
+              <a:pPr/>
               <a:t>‹#›</a:t>
             </a:fld>
             <a:endParaRPr lang="tr-TR"/>
@@ -7648,7 +7671,7 @@
     </p:spTree>
     <p:extLst>
       <p:ext uri="{BB962C8B-B14F-4D97-AF65-F5344CB8AC3E}">
-        <p14:creationId xmlns:p14="http://schemas.microsoft.com/office/powerpoint/2010/main" val="155110065"/>
+        <p14:creationId xmlns="" xmlns:p14="http://schemas.microsoft.com/office/powerpoint/2010/main" val="155110065"/>
       </p:ext>
     </p:extLst>
   </p:cSld>
@@ -7829,7 +7852,8 @@
           <a:p>
             <a:fld id="{6183C96F-013F-4EBC-ACE4-96D1AEBDCB6A}" type="datetimeFigureOut">
               <a:rPr lang="tr-TR" smtClean="0"/>
-              <a:t>15.06.2023</a:t>
+              <a:pPr/>
+              <a:t>16.06.2023</a:t>
             </a:fld>
             <a:endParaRPr lang="tr-TR"/>
           </a:p>
@@ -7871,6 +7895,7 @@
           <a:p>
             <a:fld id="{B72B1BC5-5B7A-4867-843C-D40A49D5568B}" type="slidenum">
               <a:rPr lang="tr-TR" smtClean="0"/>
+              <a:pPr/>
               <a:t>‹#›</a:t>
             </a:fld>
             <a:endParaRPr lang="tr-TR"/>
@@ -7880,7 +7905,7 @@
     </p:spTree>
     <p:extLst>
       <p:ext uri="{BB962C8B-B14F-4D97-AF65-F5344CB8AC3E}">
-        <p14:creationId xmlns:p14="http://schemas.microsoft.com/office/powerpoint/2010/main" val="2086645929"/>
+        <p14:creationId xmlns="" xmlns:p14="http://schemas.microsoft.com/office/powerpoint/2010/main" val="2086645929"/>
       </p:ext>
     </p:extLst>
   </p:cSld>
@@ -8210,7 +8235,8 @@
           <a:p>
             <a:fld id="{6183C96F-013F-4EBC-ACE4-96D1AEBDCB6A}" type="datetimeFigureOut">
               <a:rPr lang="tr-TR" smtClean="0"/>
-              <a:t>15.06.2023</a:t>
+              <a:pPr/>
+              <a:t>16.06.2023</a:t>
             </a:fld>
             <a:endParaRPr lang="tr-TR"/>
           </a:p>
@@ -8252,6 +8278,7 @@
           <a:p>
             <a:fld id="{B72B1BC5-5B7A-4867-843C-D40A49D5568B}" type="slidenum">
               <a:rPr lang="tr-TR" smtClean="0"/>
+              <a:pPr/>
               <a:t>‹#›</a:t>
             </a:fld>
             <a:endParaRPr lang="tr-TR"/>
@@ -8261,7 +8288,7 @@
     </p:spTree>
     <p:extLst>
       <p:ext uri="{BB962C8B-B14F-4D97-AF65-F5344CB8AC3E}">
-        <p14:creationId xmlns:p14="http://schemas.microsoft.com/office/powerpoint/2010/main" val="1633252824"/>
+        <p14:creationId xmlns="" xmlns:p14="http://schemas.microsoft.com/office/powerpoint/2010/main" val="1633252824"/>
       </p:ext>
     </p:extLst>
   </p:cSld>
@@ -8328,7 +8355,8 @@
           <a:p>
             <a:fld id="{6183C96F-013F-4EBC-ACE4-96D1AEBDCB6A}" type="datetimeFigureOut">
               <a:rPr lang="tr-TR" smtClean="0"/>
-              <a:t>15.06.2023</a:t>
+              <a:pPr/>
+              <a:t>16.06.2023</a:t>
             </a:fld>
             <a:endParaRPr lang="tr-TR"/>
           </a:p>
@@ -8370,6 +8398,7 @@
           <a:p>
             <a:fld id="{B72B1BC5-5B7A-4867-843C-D40A49D5568B}" type="slidenum">
               <a:rPr lang="tr-TR" smtClean="0"/>
+              <a:pPr/>
               <a:t>‹#›</a:t>
             </a:fld>
             <a:endParaRPr lang="tr-TR"/>
@@ -8379,7 +8408,7 @@
     </p:spTree>
     <p:extLst>
       <p:ext uri="{BB962C8B-B14F-4D97-AF65-F5344CB8AC3E}">
-        <p14:creationId xmlns:p14="http://schemas.microsoft.com/office/powerpoint/2010/main" val="515667884"/>
+        <p14:creationId xmlns="" xmlns:p14="http://schemas.microsoft.com/office/powerpoint/2010/main" val="515667884"/>
       </p:ext>
     </p:extLst>
   </p:cSld>
@@ -8423,7 +8452,8 @@
           <a:p>
             <a:fld id="{6183C96F-013F-4EBC-ACE4-96D1AEBDCB6A}" type="datetimeFigureOut">
               <a:rPr lang="tr-TR" smtClean="0"/>
-              <a:t>15.06.2023</a:t>
+              <a:pPr/>
+              <a:t>16.06.2023</a:t>
             </a:fld>
             <a:endParaRPr lang="tr-TR"/>
           </a:p>
@@ -8465,6 +8495,7 @@
           <a:p>
             <a:fld id="{B72B1BC5-5B7A-4867-843C-D40A49D5568B}" type="slidenum">
               <a:rPr lang="tr-TR" smtClean="0"/>
+              <a:pPr/>
               <a:t>‹#›</a:t>
             </a:fld>
             <a:endParaRPr lang="tr-TR"/>
@@ -8474,7 +8505,7 @@
     </p:spTree>
     <p:extLst>
       <p:ext uri="{BB962C8B-B14F-4D97-AF65-F5344CB8AC3E}">
-        <p14:creationId xmlns:p14="http://schemas.microsoft.com/office/powerpoint/2010/main" val="2295005181"/>
+        <p14:creationId xmlns="" xmlns:p14="http://schemas.microsoft.com/office/powerpoint/2010/main" val="2295005181"/>
       </p:ext>
     </p:extLst>
   </p:cSld>
@@ -8672,7 +8703,8 @@
           <a:p>
             <a:fld id="{6183C96F-013F-4EBC-ACE4-96D1AEBDCB6A}" type="datetimeFigureOut">
               <a:rPr lang="tr-TR" smtClean="0"/>
-              <a:t>15.06.2023</a:t>
+              <a:pPr/>
+              <a:t>16.06.2023</a:t>
             </a:fld>
             <a:endParaRPr lang="tr-TR"/>
           </a:p>
@@ -8714,6 +8746,7 @@
           <a:p>
             <a:fld id="{B72B1BC5-5B7A-4867-843C-D40A49D5568B}" type="slidenum">
               <a:rPr lang="tr-TR" smtClean="0"/>
+              <a:pPr/>
               <a:t>‹#›</a:t>
             </a:fld>
             <a:endParaRPr lang="tr-TR"/>
@@ -8723,7 +8756,7 @@
     </p:spTree>
     <p:extLst>
       <p:ext uri="{BB962C8B-B14F-4D97-AF65-F5344CB8AC3E}">
-        <p14:creationId xmlns:p14="http://schemas.microsoft.com/office/powerpoint/2010/main" val="3521297143"/>
+        <p14:creationId xmlns="" xmlns:p14="http://schemas.microsoft.com/office/powerpoint/2010/main" val="3521297143"/>
       </p:ext>
     </p:extLst>
   </p:cSld>
@@ -8952,7 +8985,8 @@
           <a:p>
             <a:fld id="{6183C96F-013F-4EBC-ACE4-96D1AEBDCB6A}" type="datetimeFigureOut">
               <a:rPr lang="tr-TR" smtClean="0"/>
-              <a:t>15.06.2023</a:t>
+              <a:pPr/>
+              <a:t>16.06.2023</a:t>
             </a:fld>
             <a:endParaRPr lang="tr-TR"/>
           </a:p>
@@ -8994,6 +9028,7 @@
           <a:p>
             <a:fld id="{B72B1BC5-5B7A-4867-843C-D40A49D5568B}" type="slidenum">
               <a:rPr lang="tr-TR" smtClean="0"/>
+              <a:pPr/>
               <a:t>‹#›</a:t>
             </a:fld>
             <a:endParaRPr lang="tr-TR"/>
@@ -9003,7 +9038,7 @@
     </p:spTree>
     <p:extLst>
       <p:ext uri="{BB962C8B-B14F-4D97-AF65-F5344CB8AC3E}">
-        <p14:creationId xmlns:p14="http://schemas.microsoft.com/office/powerpoint/2010/main" val="2519841264"/>
+        <p14:creationId xmlns="" xmlns:p14="http://schemas.microsoft.com/office/powerpoint/2010/main" val="2519841264"/>
       </p:ext>
     </p:extLst>
   </p:cSld>
@@ -9048,7 +9083,7 @@
             <a:alphaModFix amt="30000"/>
             <a:extLst>
               <a:ext uri="{28A0092B-C50C-407E-A947-70E740481C1C}">
-                <a14:useLocalDpi xmlns:a14="http://schemas.microsoft.com/office/drawing/2010/main" val="0"/>
+                <a14:useLocalDpi xmlns="" xmlns:a14="http://schemas.microsoft.com/office/drawing/2010/main" val="0"/>
               </a:ext>
             </a:extLst>
           </a:blip>
@@ -12029,7 +12064,8 @@
           <a:p>
             <a:fld id="{6183C96F-013F-4EBC-ACE4-96D1AEBDCB6A}" type="datetimeFigureOut">
               <a:rPr lang="tr-TR" smtClean="0"/>
-              <a:t>15.06.2023</a:t>
+              <a:pPr/>
+              <a:t>16.06.2023</a:t>
             </a:fld>
             <a:endParaRPr lang="tr-TR"/>
           </a:p>
@@ -12107,6 +12143,7 @@
           <a:p>
             <a:fld id="{B72B1BC5-5B7A-4867-843C-D40A49D5568B}" type="slidenum">
               <a:rPr lang="tr-TR" smtClean="0"/>
+              <a:pPr/>
               <a:t>‹#›</a:t>
             </a:fld>
             <a:endParaRPr lang="tr-TR"/>
@@ -12116,7 +12153,7 @@
     </p:spTree>
     <p:extLst>
       <p:ext uri="{BB962C8B-B14F-4D97-AF65-F5344CB8AC3E}">
-        <p14:creationId xmlns:p14="http://schemas.microsoft.com/office/powerpoint/2010/main" val="1324162806"/>
+        <p14:creationId xmlns="" xmlns:p14="http://schemas.microsoft.com/office/powerpoint/2010/main" val="1324162806"/>
       </p:ext>
     </p:extLst>
   </p:cSld>
@@ -12454,7 +12491,7 @@
           <p:cNvPr id="2" name="Başlık 1">
             <a:extLst>
               <a:ext uri="{FF2B5EF4-FFF2-40B4-BE49-F238E27FC236}">
-                <a16:creationId xmlns:a16="http://schemas.microsoft.com/office/drawing/2014/main" id="{909DC171-A386-D915-D1FE-856064973241}"/>
+                <a16:creationId xmlns="" xmlns:a16="http://schemas.microsoft.com/office/drawing/2014/main" id="{909DC171-A386-D915-D1FE-856064973241}"/>
               </a:ext>
             </a:extLst>
           </p:cNvPr>
@@ -12480,6 +12517,14 @@
               </a:rPr>
               <a:t>ROUTINE FOLLOW-UP ADVANCE</a:t>
             </a:r>
+            <a:r>
+              <a:rPr lang="tr-TR" sz="2800" dirty="0">
+                <a:effectLst/>
+                <a:latin typeface="Times New Roman" panose="02020603050405020304" pitchFamily="18" charset="0"/>
+                <a:ea typeface="Times New Roman" panose="02020603050405020304" pitchFamily="18" charset="0"/>
+              </a:rPr>
+              <a:t/>
+            </a:r>
             <a:br>
               <a:rPr lang="tr-TR" sz="2800" dirty="0">
                 <a:effectLst/>
@@ -12496,7 +12541,7 @@
           <p:cNvPr id="3" name="Alt Başlık 2">
             <a:extLst>
               <a:ext uri="{FF2B5EF4-FFF2-40B4-BE49-F238E27FC236}">
-                <a16:creationId xmlns:a16="http://schemas.microsoft.com/office/drawing/2014/main" id="{E4505676-57F2-77E4-ECDD-D36EEE0FC90E}"/>
+                <a16:creationId xmlns="" xmlns:a16="http://schemas.microsoft.com/office/drawing/2014/main" id="{E4505676-57F2-77E4-ECDD-D36EEE0FC90E}"/>
               </a:ext>
             </a:extLst>
           </p:cNvPr>
@@ -12546,7 +12591,7 @@
           <p:cNvPr id="4" name="Picture 3" descr="piri reis üniversitesi amblemi ile ilgili görsel sonucu">
             <a:extLst>
               <a:ext uri="{FF2B5EF4-FFF2-40B4-BE49-F238E27FC236}">
-                <a16:creationId xmlns:a16="http://schemas.microsoft.com/office/drawing/2014/main" id="{3643D90C-1FFB-5EEF-B7D6-B180A57E6474}"/>
+                <a16:creationId xmlns="" xmlns:a16="http://schemas.microsoft.com/office/drawing/2014/main" id="{3643D90C-1FFB-5EEF-B7D6-B180A57E6474}"/>
               </a:ext>
             </a:extLst>
           </p:cNvPr>
@@ -12559,7 +12604,7 @@
           <a:blip r:embed="rId2" cstate="print">
             <a:extLst>
               <a:ext uri="{28A0092B-C50C-407E-A947-70E740481C1C}">
-                <a14:useLocalDpi xmlns:a14="http://schemas.microsoft.com/office/drawing/2010/main" val="0"/>
+                <a14:useLocalDpi xmlns="" xmlns:a14="http://schemas.microsoft.com/office/drawing/2010/main" val="0"/>
               </a:ext>
             </a:extLst>
           </a:blip>
@@ -12585,13 +12630,20 @@
     </p:spTree>
     <p:extLst>
       <p:ext uri="{BB962C8B-B14F-4D97-AF65-F5344CB8AC3E}">
-        <p14:creationId xmlns:p14="http://schemas.microsoft.com/office/powerpoint/2010/main" val="4117662847"/>
+        <p14:creationId xmlns="" xmlns:p14="http://schemas.microsoft.com/office/powerpoint/2010/main" val="4117662847"/>
       </p:ext>
     </p:extLst>
   </p:cSld>
   <p:clrMapOvr>
     <a:masterClrMapping/>
   </p:clrMapOvr>
+  <p:timing>
+    <p:tnLst>
+      <p:par>
+        <p:cTn id="1" dur="indefinite" restart="never" nodeType="tmRoot"/>
+      </p:par>
+    </p:tnLst>
+  </p:timing>
 </p:sld>
 </file>
 
@@ -12617,7 +12669,7 @@
           <p:cNvPr id="2" name="Başlık 1">
             <a:extLst>
               <a:ext uri="{FF2B5EF4-FFF2-40B4-BE49-F238E27FC236}">
-                <a16:creationId xmlns:a16="http://schemas.microsoft.com/office/drawing/2014/main" id="{B09BB2DA-13F7-3256-FA1F-8DBC8963890E}"/>
+                <a16:creationId xmlns="" xmlns:a16="http://schemas.microsoft.com/office/drawing/2014/main" id="{716DC2C2-0F03-D6F7-E7CF-ACC26C054B83}"/>
               </a:ext>
             </a:extLst>
           </p:cNvPr>
@@ -12641,7 +12693,7 @@
                 <a:latin typeface="Times New Roman" panose="02020603050405020304" pitchFamily="18" charset="0"/>
                 <a:cs typeface="Times New Roman" panose="02020603050405020304" pitchFamily="18" charset="0"/>
               </a:rPr>
-              <a:t>Kullanıcı Arayüzü</a:t>
+              <a:t>Veri Tabanı</a:t>
             </a:r>
           </a:p>
         </p:txBody>
@@ -12651,7 +12703,7 @@
           <p:cNvPr id="3" name="İçerik Yer Tutucusu 2">
             <a:extLst>
               <a:ext uri="{FF2B5EF4-FFF2-40B4-BE49-F238E27FC236}">
-                <a16:creationId xmlns:a16="http://schemas.microsoft.com/office/drawing/2014/main" id="{39D5D457-ABA4-5B4A-D754-6AAE61B366BA}"/>
+                <a16:creationId xmlns="" xmlns:a16="http://schemas.microsoft.com/office/drawing/2014/main" id="{B9E9AA2F-5296-B487-5A55-8EACFF1BD42E}"/>
               </a:ext>
             </a:extLst>
           </p:cNvPr>
@@ -12664,8 +12716,8 @@
         </p:nvSpPr>
         <p:spPr>
           <a:xfrm>
-            <a:off x="7617041" y="1825625"/>
-            <a:ext cx="4350057" cy="4351338"/>
+            <a:off x="594804" y="4092606"/>
+            <a:ext cx="11248008" cy="2084357"/>
           </a:xfrm>
         </p:spPr>
         <p:txBody>
@@ -12674,26 +12726,61 @@
           <a:p>
             <a:pPr algn="just"/>
             <a:r>
+              <a:rPr lang="tr-TR" dirty="0" err="1">
+                <a:latin typeface="Times New Roman" panose="02020603050405020304" pitchFamily="18" charset="0"/>
+                <a:cs typeface="Times New Roman" panose="02020603050405020304" pitchFamily="18" charset="0"/>
+              </a:rPr>
+              <a:t>Veritabanı</a:t>
+            </a:r>
+            <a:r>
               <a:rPr lang="tr-TR" dirty="0">
                 <a:latin typeface="Times New Roman" panose="02020603050405020304" pitchFamily="18" charset="0"/>
                 <a:cs typeface="Times New Roman" panose="02020603050405020304" pitchFamily="18" charset="0"/>
               </a:rPr>
-              <a:t>Temel olarak kullanıcıların istenilen veriye ulaşmasını sağlayan kolay ulaşılabilen görsel bir arayüzdür.</a:t>
+              <a:t> yerel olup </a:t>
+            </a:r>
+            <a:r>
+              <a:rPr lang="tr-TR" dirty="0" err="1">
+                <a:latin typeface="Times New Roman" panose="02020603050405020304" pitchFamily="18" charset="0"/>
+                <a:cs typeface="Times New Roman" panose="02020603050405020304" pitchFamily="18" charset="0"/>
+              </a:rPr>
+              <a:t>SQlite</a:t>
+            </a:r>
+            <a:r>
+              <a:rPr lang="tr-TR" dirty="0">
+                <a:latin typeface="Times New Roman" panose="02020603050405020304" pitchFamily="18" charset="0"/>
+                <a:cs typeface="Times New Roman" panose="02020603050405020304" pitchFamily="18" charset="0"/>
+              </a:rPr>
+              <a:t> yapısındadır, bunun sayesinde özellikle sunucuya gerek duymadan dosya üzerinde çalışabilir. ".</a:t>
+            </a:r>
+            <a:r>
+              <a:rPr lang="tr-TR" dirty="0" err="1">
+                <a:latin typeface="Times New Roman" panose="02020603050405020304" pitchFamily="18" charset="0"/>
+                <a:cs typeface="Times New Roman" panose="02020603050405020304" pitchFamily="18" charset="0"/>
+              </a:rPr>
+              <a:t>db</a:t>
+            </a:r>
+            <a:r>
+              <a:rPr lang="tr-TR" dirty="0">
+                <a:latin typeface="Times New Roman" panose="02020603050405020304" pitchFamily="18" charset="0"/>
+                <a:cs typeface="Times New Roman" panose="02020603050405020304" pitchFamily="18" charset="0"/>
+              </a:rPr>
+              <a:t>" uzantılı dosya üzerinde çalışan uygulama konsol uygulaması ve kullanıcı arayüzü arası köprü ve depo işlevi görür.</a:t>
             </a:r>
           </a:p>
         </p:txBody>
       </p:sp>
       <p:pic>
         <p:nvPicPr>
-          <p:cNvPr id="6" name="Resim 5">
+          <p:cNvPr id="2050" name="Picture 2">
             <a:extLst>
               <a:ext uri="{FF2B5EF4-FFF2-40B4-BE49-F238E27FC236}">
-                <a16:creationId xmlns:a16="http://schemas.microsoft.com/office/drawing/2014/main" id="{FB0473B6-0D7E-C1C5-AF5D-1FD9C5220E6F}"/>
+                <a16:creationId xmlns="" xmlns:a16="http://schemas.microsoft.com/office/drawing/2014/main" id="{C601A083-FB50-9967-80E6-E2AEB9C0814C}"/>
               </a:ext>
             </a:extLst>
           </p:cNvPr>
           <p:cNvPicPr>
-            <a:picLocks noChangeAspect="1"/>
+            <a:picLocks noChangeAspect="1" noChangeArrowheads="1"/>
           </p:cNvPicPr>
           <p:nvPr/>
         </p:nvPicPr>
@@ -12701,34 +12788,52 @@
           <a:blip r:embed="rId2">
             <a:extLst>
               <a:ext uri="{28A0092B-C50C-407E-A947-70E740481C1C}">
-                <a14:useLocalDpi xmlns:a14="http://schemas.microsoft.com/office/drawing/2010/main" val="0"/>
+                <a14:useLocalDpi xmlns="" xmlns:a14="http://schemas.microsoft.com/office/drawing/2010/main" val="0"/>
               </a:ext>
             </a:extLst>
           </a:blip>
+          <a:srcRect/>
           <a:stretch>
             <a:fillRect/>
           </a:stretch>
         </p:blipFill>
-        <p:spPr>
+        <p:spPr bwMode="auto">
           <a:xfrm>
-            <a:off x="390618" y="2006353"/>
-            <a:ext cx="7146524" cy="3994951"/>
+            <a:off x="1293811" y="2268245"/>
+            <a:ext cx="9753600" cy="1219200"/>
           </a:xfrm>
           <a:prstGeom prst="rect">
             <a:avLst/>
           </a:prstGeom>
+          <a:noFill/>
+          <a:extLst>
+            <a:ext uri="{909E8E84-426E-40DD-AFC4-6F175D3DCCD1}">
+              <a14:hiddenFill xmlns="" xmlns:a14="http://schemas.microsoft.com/office/drawing/2010/main">
+                <a:solidFill>
+                  <a:srgbClr val="FFFFFF"/>
+                </a:solidFill>
+              </a14:hiddenFill>
+            </a:ext>
+          </a:extLst>
         </p:spPr>
       </p:pic>
     </p:spTree>
     <p:extLst>
       <p:ext uri="{BB962C8B-B14F-4D97-AF65-F5344CB8AC3E}">
-        <p14:creationId xmlns:p14="http://schemas.microsoft.com/office/powerpoint/2010/main" val="1697455467"/>
+        <p14:creationId xmlns="" xmlns:p14="http://schemas.microsoft.com/office/powerpoint/2010/main" val="4225407981"/>
       </p:ext>
     </p:extLst>
   </p:cSld>
   <p:clrMapOvr>
     <a:masterClrMapping/>
   </p:clrMapOvr>
+  <p:timing>
+    <p:tnLst>
+      <p:par>
+        <p:cTn id="1" dur="indefinite" restart="never" nodeType="tmRoot"/>
+      </p:par>
+    </p:tnLst>
+  </p:timing>
 </p:sld>
 </file>
 
@@ -12754,7 +12859,7 @@
           <p:cNvPr id="2" name="Başlık 1">
             <a:extLst>
               <a:ext uri="{FF2B5EF4-FFF2-40B4-BE49-F238E27FC236}">
-                <a16:creationId xmlns:a16="http://schemas.microsoft.com/office/drawing/2014/main" id="{716DC2C2-0F03-D6F7-E7CF-ACC26C054B83}"/>
+                <a16:creationId xmlns="" xmlns:a16="http://schemas.microsoft.com/office/drawing/2014/main" id="{8F87EFE0-6E6C-0FD2-126E-C51A2DCBD427}"/>
               </a:ext>
             </a:extLst>
           </p:cNvPr>
@@ -12778,7 +12883,7 @@
                 <a:latin typeface="Times New Roman" panose="02020603050405020304" pitchFamily="18" charset="0"/>
                 <a:cs typeface="Times New Roman" panose="02020603050405020304" pitchFamily="18" charset="0"/>
               </a:rPr>
-              <a:t>Veri Tabanı</a:t>
+              <a:t>Konsol Uygulaması</a:t>
             </a:r>
           </a:p>
         </p:txBody>
@@ -12788,7 +12893,7 @@
           <p:cNvPr id="3" name="İçerik Yer Tutucusu 2">
             <a:extLst>
               <a:ext uri="{FF2B5EF4-FFF2-40B4-BE49-F238E27FC236}">
-                <a16:creationId xmlns:a16="http://schemas.microsoft.com/office/drawing/2014/main" id="{B9E9AA2F-5296-B487-5A55-8EACFF1BD42E}"/>
+                <a16:creationId xmlns="" xmlns:a16="http://schemas.microsoft.com/office/drawing/2014/main" id="{024E29BB-1AFE-E443-E3A8-711B31724102}"/>
               </a:ext>
             </a:extLst>
           </p:cNvPr>
@@ -12801,8 +12906,8 @@
         </p:nvSpPr>
         <p:spPr>
           <a:xfrm>
-            <a:off x="594804" y="4092606"/>
-            <a:ext cx="11248008" cy="2084357"/>
+            <a:off x="7536402" y="1614395"/>
+            <a:ext cx="3817398" cy="4562567"/>
           </a:xfrm>
         </p:spPr>
         <p:txBody>
@@ -12811,56 +12916,26 @@
           <a:p>
             <a:pPr algn="just"/>
             <a:r>
-              <a:rPr lang="tr-TR" dirty="0" err="1">
-                <a:latin typeface="Times New Roman" panose="02020603050405020304" pitchFamily="18" charset="0"/>
-                <a:cs typeface="Times New Roman" panose="02020603050405020304" pitchFamily="18" charset="0"/>
-              </a:rPr>
-              <a:t>Veritabanı</a:t>
-            </a:r>
-            <a:r>
-              <a:rPr lang="tr-TR" dirty="0">
-                <a:latin typeface="Times New Roman" panose="02020603050405020304" pitchFamily="18" charset="0"/>
-                <a:cs typeface="Times New Roman" panose="02020603050405020304" pitchFamily="18" charset="0"/>
-              </a:rPr>
-              <a:t> yerel olup </a:t>
-            </a:r>
-            <a:r>
-              <a:rPr lang="tr-TR" dirty="0" err="1">
-                <a:latin typeface="Times New Roman" panose="02020603050405020304" pitchFamily="18" charset="0"/>
-                <a:cs typeface="Times New Roman" panose="02020603050405020304" pitchFamily="18" charset="0"/>
-              </a:rPr>
-              <a:t>SQlite</a:t>
-            </a:r>
-            <a:r>
-              <a:rPr lang="tr-TR" dirty="0">
-                <a:latin typeface="Times New Roman" panose="02020603050405020304" pitchFamily="18" charset="0"/>
-                <a:cs typeface="Times New Roman" panose="02020603050405020304" pitchFamily="18" charset="0"/>
-              </a:rPr>
-              <a:t> yapısındadır, bunun sayesinde özellikle sunucuya gerek duymadan dosya üzerinde çalışabilir. ".</a:t>
-            </a:r>
-            <a:r>
-              <a:rPr lang="tr-TR" dirty="0" err="1">
-                <a:latin typeface="Times New Roman" panose="02020603050405020304" pitchFamily="18" charset="0"/>
-                <a:cs typeface="Times New Roman" panose="02020603050405020304" pitchFamily="18" charset="0"/>
-              </a:rPr>
-              <a:t>db</a:t>
-            </a:r>
-            <a:r>
-              <a:rPr lang="tr-TR" dirty="0">
-                <a:latin typeface="Times New Roman" panose="02020603050405020304" pitchFamily="18" charset="0"/>
-                <a:cs typeface="Times New Roman" panose="02020603050405020304" pitchFamily="18" charset="0"/>
-              </a:rPr>
-              <a:t>" uzantılı dosya üzerinde çalışan uygulama konsol uygulaması ve kullanıcı arayüzü arası köprü ve depo işlevi görür.</a:t>
+              <a:rPr lang="tr-TR" dirty="0"/>
+              <a:t>Konsol    uygulaması, programı </a:t>
+            </a:r>
+            <a:r>
+              <a:rPr lang="tr-TR" dirty="0" err="1"/>
+              <a:t>veritabanı</a:t>
+            </a:r>
+            <a:r>
+              <a:rPr lang="tr-TR" dirty="0"/>
+              <a:t> ile bağlanmasını sağlayan, uygulamaları çeken ve görsel herhangi bir özelliği bulunmayan bir parçadır.</a:t>
             </a:r>
           </a:p>
         </p:txBody>
       </p:sp>
       <p:pic>
         <p:nvPicPr>
-          <p:cNvPr id="2050" name="Picture 2">
+          <p:cNvPr id="1028" name="Picture 4">
             <a:extLst>
               <a:ext uri="{FF2B5EF4-FFF2-40B4-BE49-F238E27FC236}">
-                <a16:creationId xmlns:a16="http://schemas.microsoft.com/office/drawing/2014/main" id="{C601A083-FB50-9967-80E6-E2AEB9C0814C}"/>
+                <a16:creationId xmlns="" xmlns:a16="http://schemas.microsoft.com/office/drawing/2014/main" id="{D3303B77-83ED-7E54-8D54-DD096FE64C1D}"/>
               </a:ext>
             </a:extLst>
           </p:cNvPr>
@@ -12873,7 +12948,7 @@
           <a:blip r:embed="rId2">
             <a:extLst>
               <a:ext uri="{28A0092B-C50C-407E-A947-70E740481C1C}">
-                <a14:useLocalDpi xmlns:a14="http://schemas.microsoft.com/office/drawing/2010/main" val="0"/>
+                <a14:useLocalDpi xmlns="" xmlns:a14="http://schemas.microsoft.com/office/drawing/2010/main" val="0"/>
               </a:ext>
             </a:extLst>
           </a:blip>
@@ -12884,8 +12959,8 @@
         </p:blipFill>
         <p:spPr bwMode="auto">
           <a:xfrm>
-            <a:off x="1293811" y="2268245"/>
-            <a:ext cx="9753600" cy="1219200"/>
+            <a:off x="463581" y="1614396"/>
+            <a:ext cx="6532023" cy="4562567"/>
           </a:xfrm>
           <a:prstGeom prst="rect">
             <a:avLst/>
@@ -12893,7 +12968,7 @@
           <a:noFill/>
           <a:extLst>
             <a:ext uri="{909E8E84-426E-40DD-AFC4-6F175D3DCCD1}">
-              <a14:hiddenFill xmlns:a14="http://schemas.microsoft.com/office/drawing/2010/main">
+              <a14:hiddenFill xmlns="" xmlns:a14="http://schemas.microsoft.com/office/drawing/2010/main">
                 <a:solidFill>
                   <a:srgbClr val="FFFFFF"/>
                 </a:solidFill>
@@ -12905,13 +12980,20 @@
     </p:spTree>
     <p:extLst>
       <p:ext uri="{BB962C8B-B14F-4D97-AF65-F5344CB8AC3E}">
-        <p14:creationId xmlns:p14="http://schemas.microsoft.com/office/powerpoint/2010/main" val="4225407981"/>
+        <p14:creationId xmlns="" xmlns:p14="http://schemas.microsoft.com/office/powerpoint/2010/main" val="1596982248"/>
       </p:ext>
     </p:extLst>
   </p:cSld>
   <p:clrMapOvr>
     <a:masterClrMapping/>
   </p:clrMapOvr>
+  <p:timing>
+    <p:tnLst>
+      <p:par>
+        <p:cTn id="1" dur="indefinite" restart="never" nodeType="tmRoot"/>
+      </p:par>
+    </p:tnLst>
+  </p:timing>
 </p:sld>
 </file>
 
@@ -12937,7 +13019,7 @@
           <p:cNvPr id="2" name="Başlık 1">
             <a:extLst>
               <a:ext uri="{FF2B5EF4-FFF2-40B4-BE49-F238E27FC236}">
-                <a16:creationId xmlns:a16="http://schemas.microsoft.com/office/drawing/2014/main" id="{36F46A00-52D0-F212-56EC-45FC0D9CB222}"/>
+                <a16:creationId xmlns="" xmlns:a16="http://schemas.microsoft.com/office/drawing/2014/main" id="{B09BB2DA-13F7-3256-FA1F-8DBC8963890E}"/>
               </a:ext>
             </a:extLst>
           </p:cNvPr>
@@ -12961,7 +13043,7 @@
                 <a:latin typeface="Times New Roman" panose="02020603050405020304" pitchFamily="18" charset="0"/>
                 <a:cs typeface="Times New Roman" panose="02020603050405020304" pitchFamily="18" charset="0"/>
               </a:rPr>
-              <a:t>Kodlama</a:t>
+              <a:t>Kullanıcı Arayüzü</a:t>
             </a:r>
           </a:p>
         </p:txBody>
@@ -12971,7 +13053,7 @@
           <p:cNvPr id="3" name="İçerik Yer Tutucusu 2">
             <a:extLst>
               <a:ext uri="{FF2B5EF4-FFF2-40B4-BE49-F238E27FC236}">
-                <a16:creationId xmlns:a16="http://schemas.microsoft.com/office/drawing/2014/main" id="{D39B63F3-E6DF-C759-15FF-BE0E720E38B0}"/>
+                <a16:creationId xmlns="" xmlns:a16="http://schemas.microsoft.com/office/drawing/2014/main" id="{39D5D457-ABA4-5B4A-D754-6AAE61B366BA}"/>
               </a:ext>
             </a:extLst>
           </p:cNvPr>
@@ -12984,14 +13066,12 @@
         </p:nvSpPr>
         <p:spPr>
           <a:xfrm>
-            <a:off x="7412853" y="2097088"/>
-            <a:ext cx="4563123" cy="3984117"/>
+            <a:off x="7617041" y="1825625"/>
+            <a:ext cx="4350057" cy="4351338"/>
           </a:xfrm>
         </p:spPr>
         <p:txBody>
-          <a:bodyPr>
-            <a:normAutofit/>
-          </a:bodyPr>
+          <a:bodyPr/>
           <a:lstStyle/>
           <a:p>
             <a:pPr algn="just"/>
@@ -13000,36 +13080,22 @@
                 <a:latin typeface="Times New Roman" panose="02020603050405020304" pitchFamily="18" charset="0"/>
                 <a:cs typeface="Times New Roman" panose="02020603050405020304" pitchFamily="18" charset="0"/>
               </a:rPr>
-              <a:t>Konsol Uygulaması, aşinalık, geliştirme kolaylığı ve kütüphane erişimleri gibi avantajları ile Python  kullanılarak yazılmıştır. "SQLite3" ve "</a:t>
-            </a:r>
-            <a:r>
-              <a:rPr lang="tr-TR" dirty="0" err="1">
-                <a:latin typeface="Times New Roman" panose="02020603050405020304" pitchFamily="18" charset="0"/>
-                <a:cs typeface="Times New Roman" panose="02020603050405020304" pitchFamily="18" charset="0"/>
-              </a:rPr>
-              <a:t>psutil</a:t>
-            </a:r>
-            <a:r>
-              <a:rPr lang="tr-TR" dirty="0">
-                <a:latin typeface="Times New Roman" panose="02020603050405020304" pitchFamily="18" charset="0"/>
-                <a:cs typeface="Times New Roman" panose="02020603050405020304" pitchFamily="18" charset="0"/>
-              </a:rPr>
-              <a:t>" kütüphaneleri sayesinde amacına yönelik geliştirilmiştir.</a:t>
+              <a:t>Temel olarak kullanıcıların istenilen veriye ulaşmasını sağlayan kolay ulaşılabilen görsel bir arayüzdür.</a:t>
             </a:r>
           </a:p>
         </p:txBody>
       </p:sp>
       <p:pic>
         <p:nvPicPr>
-          <p:cNvPr id="1026" name="Picture 2">
+          <p:cNvPr id="6" name="Resim 5">
             <a:extLst>
               <a:ext uri="{FF2B5EF4-FFF2-40B4-BE49-F238E27FC236}">
-                <a16:creationId xmlns:a16="http://schemas.microsoft.com/office/drawing/2014/main" id="{DC8B7166-130A-BE68-B40F-1666DEBC5AA2}"/>
+                <a16:creationId xmlns="" xmlns:a16="http://schemas.microsoft.com/office/drawing/2014/main" id="{FB0473B6-0D7E-C1C5-AF5D-1FD9C5220E6F}"/>
               </a:ext>
             </a:extLst>
           </p:cNvPr>
           <p:cNvPicPr>
-            <a:picLocks noChangeAspect="1" noChangeArrowheads="1"/>
+            <a:picLocks noChangeAspect="1"/>
           </p:cNvPicPr>
           <p:nvPr/>
         </p:nvPicPr>
@@ -13037,45 +13103,41 @@
           <a:blip r:embed="rId2">
             <a:extLst>
               <a:ext uri="{28A0092B-C50C-407E-A947-70E740481C1C}">
-                <a14:useLocalDpi xmlns:a14="http://schemas.microsoft.com/office/drawing/2010/main" val="0"/>
+                <a14:useLocalDpi xmlns="" xmlns:a14="http://schemas.microsoft.com/office/drawing/2010/main" val="0"/>
               </a:ext>
             </a:extLst>
           </a:blip>
-          <a:srcRect/>
           <a:stretch>
             <a:fillRect/>
           </a:stretch>
         </p:blipFill>
-        <p:spPr bwMode="auto">
+        <p:spPr>
           <a:xfrm>
-            <a:off x="452761" y="2183907"/>
-            <a:ext cx="6693763" cy="3675355"/>
+            <a:off x="390618" y="2006353"/>
+            <a:ext cx="7146524" cy="3994951"/>
           </a:xfrm>
           <a:prstGeom prst="rect">
             <a:avLst/>
           </a:prstGeom>
-          <a:noFill/>
-          <a:extLst>
-            <a:ext uri="{909E8E84-426E-40DD-AFC4-6F175D3DCCD1}">
-              <a14:hiddenFill xmlns:a14="http://schemas.microsoft.com/office/drawing/2010/main">
-                <a:solidFill>
-                  <a:srgbClr val="FFFFFF"/>
-                </a:solidFill>
-              </a14:hiddenFill>
-            </a:ext>
-          </a:extLst>
         </p:spPr>
       </p:pic>
     </p:spTree>
     <p:extLst>
       <p:ext uri="{BB962C8B-B14F-4D97-AF65-F5344CB8AC3E}">
-        <p14:creationId xmlns:p14="http://schemas.microsoft.com/office/powerpoint/2010/main" val="2310475630"/>
+        <p14:creationId xmlns="" xmlns:p14="http://schemas.microsoft.com/office/powerpoint/2010/main" val="1697455467"/>
       </p:ext>
     </p:extLst>
   </p:cSld>
   <p:clrMapOvr>
     <a:masterClrMapping/>
   </p:clrMapOvr>
+  <p:timing>
+    <p:tnLst>
+      <p:par>
+        <p:cTn id="1" dur="indefinite" restart="never" nodeType="tmRoot"/>
+      </p:par>
+    </p:tnLst>
+  </p:timing>
 </p:sld>
 </file>
 
@@ -13098,10 +13160,44 @@
       </p:grpSpPr>
       <p:sp>
         <p:nvSpPr>
+          <p:cNvPr id="2" name="Başlık 1">
+            <a:extLst>
+              <a:ext uri="{FF2B5EF4-FFF2-40B4-BE49-F238E27FC236}">
+                <a16:creationId xmlns="" xmlns:a16="http://schemas.microsoft.com/office/drawing/2014/main" id="{36F46A00-52D0-F212-56EC-45FC0D9CB222}"/>
+              </a:ext>
+            </a:extLst>
+          </p:cNvPr>
+          <p:cNvSpPr>
+            <a:spLocks noGrp="1"/>
+          </p:cNvSpPr>
+          <p:nvPr>
+            <p:ph type="title"/>
+          </p:nvPr>
+        </p:nvSpPr>
+        <p:spPr/>
+        <p:txBody>
+          <a:bodyPr/>
+          <a:lstStyle/>
+          <a:p>
+            <a:r>
+              <a:rPr lang="tr-TR" dirty="0">
+                <a:solidFill>
+                  <a:srgbClr val="FF0000"/>
+                </a:solidFill>
+                <a:latin typeface="Times New Roman" panose="02020603050405020304" pitchFamily="18" charset="0"/>
+                <a:cs typeface="Times New Roman" panose="02020603050405020304" pitchFamily="18" charset="0"/>
+              </a:rPr>
+              <a:t>Kodlama</a:t>
+            </a:r>
+          </a:p>
+        </p:txBody>
+      </p:sp>
+      <p:sp>
+        <p:nvSpPr>
           <p:cNvPr id="3" name="İçerik Yer Tutucusu 2">
             <a:extLst>
               <a:ext uri="{FF2B5EF4-FFF2-40B4-BE49-F238E27FC236}">
-                <a16:creationId xmlns:a16="http://schemas.microsoft.com/office/drawing/2014/main" id="{11536798-F105-81A4-6D94-5667A2A76482}"/>
+                <a16:creationId xmlns="" xmlns:a16="http://schemas.microsoft.com/office/drawing/2014/main" id="{D39B63F3-E6DF-C759-15FF-BE0E720E38B0}"/>
               </a:ext>
             </a:extLst>
           </p:cNvPr>
@@ -13114,12 +13210,14 @@
         </p:nvSpPr>
         <p:spPr>
           <a:xfrm>
-            <a:off x="1141412" y="1198485"/>
-            <a:ext cx="9905999" cy="4592716"/>
+            <a:off x="7412853" y="2097088"/>
+            <a:ext cx="4563123" cy="3984117"/>
           </a:xfrm>
         </p:spPr>
         <p:txBody>
-          <a:bodyPr/>
+          <a:bodyPr>
+            <a:normAutofit/>
+          </a:bodyPr>
           <a:lstStyle/>
           <a:p>
             <a:pPr algn="just"/>
@@ -13128,48 +13226,89 @@
                 <a:latin typeface="Times New Roman" panose="02020603050405020304" pitchFamily="18" charset="0"/>
                 <a:cs typeface="Times New Roman" panose="02020603050405020304" pitchFamily="18" charset="0"/>
               </a:rPr>
-              <a:t>Windows Form Uygulamasında C# dili kullanarak hızlı ve güvenli kodlama yapılıp verimli uygulamalar geliştirilebilir.</a:t>
-            </a:r>
-          </a:p>
-          <a:p>
-            <a:pPr algn="just"/>
+              <a:t>Konsol Uygulaması, aşinalık, geliştirme kolaylığı ve kütüphane erişimleri gibi avantajları ile Python  kullanılarak yazılmıştır. "SQLite3" ve "</a:t>
+            </a:r>
+            <a:r>
+              <a:rPr lang="tr-TR" dirty="0" err="1">
+                <a:latin typeface="Times New Roman" panose="02020603050405020304" pitchFamily="18" charset="0"/>
+                <a:cs typeface="Times New Roman" panose="02020603050405020304" pitchFamily="18" charset="0"/>
+              </a:rPr>
+              <a:t>psutil</a:t>
+            </a:r>
             <a:r>
               <a:rPr lang="tr-TR" dirty="0">
                 <a:latin typeface="Times New Roman" panose="02020603050405020304" pitchFamily="18" charset="0"/>
                 <a:cs typeface="Times New Roman" panose="02020603050405020304" pitchFamily="18" charset="0"/>
               </a:rPr>
-              <a:t>Güvenlik açısından da titizlikle geliştirilen C# Windows üzerinde yazılım projeleri geliştirmek için kullanılan bir dil olması yönünden hem güvenli kodlama için hem de masaüstü uygulaması geliştirme alanında uygun seçilmiştir.</a:t>
-            </a:r>
-          </a:p>
-          <a:p>
-            <a:pPr algn="just"/>
-            <a:r>
-              <a:rPr lang="tr-TR" dirty="0" err="1">
-                <a:latin typeface="Times New Roman" panose="02020603050405020304" pitchFamily="18" charset="0"/>
-                <a:cs typeface="Times New Roman" panose="02020603050405020304" pitchFamily="18" charset="0"/>
-              </a:rPr>
-              <a:t>Kotlin</a:t>
-            </a:r>
-            <a:r>
-              <a:rPr lang="tr-TR" dirty="0">
-                <a:latin typeface="Times New Roman" panose="02020603050405020304" pitchFamily="18" charset="0"/>
-                <a:cs typeface="Times New Roman" panose="02020603050405020304" pitchFamily="18" charset="0"/>
-              </a:rPr>
-              <a:t> dili ise günümüzde Android programlamada kullanılan popüler bir programlama dili olmasının yanı sıra, uygulamanın geliştirilmesini daha güvenli ve etkili kılar.</a:t>
+              <a:t>" kütüphaneleri sayesinde amacına yönelik geliştirilmiştir.</a:t>
             </a:r>
           </a:p>
         </p:txBody>
       </p:sp>
+      <p:pic>
+        <p:nvPicPr>
+          <p:cNvPr id="1026" name="Picture 2">
+            <a:extLst>
+              <a:ext uri="{FF2B5EF4-FFF2-40B4-BE49-F238E27FC236}">
+                <a16:creationId xmlns="" xmlns:a16="http://schemas.microsoft.com/office/drawing/2014/main" id="{DC8B7166-130A-BE68-B40F-1666DEBC5AA2}"/>
+              </a:ext>
+            </a:extLst>
+          </p:cNvPr>
+          <p:cNvPicPr>
+            <a:picLocks noChangeAspect="1" noChangeArrowheads="1"/>
+          </p:cNvPicPr>
+          <p:nvPr/>
+        </p:nvPicPr>
+        <p:blipFill>
+          <a:blip r:embed="rId2">
+            <a:extLst>
+              <a:ext uri="{28A0092B-C50C-407E-A947-70E740481C1C}">
+                <a14:useLocalDpi xmlns="" xmlns:a14="http://schemas.microsoft.com/office/drawing/2010/main" val="0"/>
+              </a:ext>
+            </a:extLst>
+          </a:blip>
+          <a:srcRect/>
+          <a:stretch>
+            <a:fillRect/>
+          </a:stretch>
+        </p:blipFill>
+        <p:spPr bwMode="auto">
+          <a:xfrm>
+            <a:off x="452761" y="2183907"/>
+            <a:ext cx="6693763" cy="3675355"/>
+          </a:xfrm>
+          <a:prstGeom prst="rect">
+            <a:avLst/>
+          </a:prstGeom>
+          <a:noFill/>
+          <a:extLst>
+            <a:ext uri="{909E8E84-426E-40DD-AFC4-6F175D3DCCD1}">
+              <a14:hiddenFill xmlns="" xmlns:a14="http://schemas.microsoft.com/office/drawing/2010/main">
+                <a:solidFill>
+                  <a:srgbClr val="FFFFFF"/>
+                </a:solidFill>
+              </a14:hiddenFill>
+            </a:ext>
+          </a:extLst>
+        </p:spPr>
+      </p:pic>
     </p:spTree>
     <p:extLst>
       <p:ext uri="{BB962C8B-B14F-4D97-AF65-F5344CB8AC3E}">
-        <p14:creationId xmlns:p14="http://schemas.microsoft.com/office/powerpoint/2010/main" val="3736469890"/>
+        <p14:creationId xmlns="" xmlns:p14="http://schemas.microsoft.com/office/powerpoint/2010/main" val="2310475630"/>
       </p:ext>
     </p:extLst>
   </p:cSld>
   <p:clrMapOvr>
     <a:masterClrMapping/>
   </p:clrMapOvr>
+  <p:timing>
+    <p:tnLst>
+      <p:par>
+        <p:cTn id="1" dur="indefinite" restart="never" nodeType="tmRoot"/>
+      </p:par>
+    </p:tnLst>
+  </p:timing>
 </p:sld>
 </file>
 
@@ -13192,10 +13331,111 @@
       </p:grpSpPr>
       <p:sp>
         <p:nvSpPr>
+          <p:cNvPr id="3" name="İçerik Yer Tutucusu 2">
+            <a:extLst>
+              <a:ext uri="{FF2B5EF4-FFF2-40B4-BE49-F238E27FC236}">
+                <a16:creationId xmlns="" xmlns:a16="http://schemas.microsoft.com/office/drawing/2014/main" id="{11536798-F105-81A4-6D94-5667A2A76482}"/>
+              </a:ext>
+            </a:extLst>
+          </p:cNvPr>
+          <p:cNvSpPr>
+            <a:spLocks noGrp="1"/>
+          </p:cNvSpPr>
+          <p:nvPr>
+            <p:ph idx="1"/>
+          </p:nvPr>
+        </p:nvSpPr>
+        <p:spPr>
+          <a:xfrm>
+            <a:off x="1141412" y="1198485"/>
+            <a:ext cx="9905999" cy="4592716"/>
+          </a:xfrm>
+        </p:spPr>
+        <p:txBody>
+          <a:bodyPr/>
+          <a:lstStyle/>
+          <a:p>
+            <a:pPr algn="just"/>
+            <a:r>
+              <a:rPr lang="tr-TR" dirty="0">
+                <a:latin typeface="Times New Roman" panose="02020603050405020304" pitchFamily="18" charset="0"/>
+                <a:cs typeface="Times New Roman" panose="02020603050405020304" pitchFamily="18" charset="0"/>
+              </a:rPr>
+              <a:t>Windows Form Uygulamasında C# dili kullanarak hızlı ve güvenli kodlama yapılıp verimli uygulamalar geliştirilebilir.</a:t>
+            </a:r>
+          </a:p>
+          <a:p>
+            <a:pPr algn="just"/>
+            <a:r>
+              <a:rPr lang="tr-TR" dirty="0">
+                <a:latin typeface="Times New Roman" panose="02020603050405020304" pitchFamily="18" charset="0"/>
+                <a:cs typeface="Times New Roman" panose="02020603050405020304" pitchFamily="18" charset="0"/>
+              </a:rPr>
+              <a:t>Güvenlik açısından da titizlikle geliştirilen C# Windows üzerinde yazılım projeleri geliştirmek için kullanılan bir dil olması yönünden hem güvenli kodlama için hem de masaüstü uygulaması geliştirme alanında uygun seçilmiştir.</a:t>
+            </a:r>
+          </a:p>
+          <a:p>
+            <a:pPr algn="just"/>
+            <a:r>
+              <a:rPr lang="tr-TR" dirty="0" err="1">
+                <a:latin typeface="Times New Roman" panose="02020603050405020304" pitchFamily="18" charset="0"/>
+                <a:cs typeface="Times New Roman" panose="02020603050405020304" pitchFamily="18" charset="0"/>
+              </a:rPr>
+              <a:t>Kotlin</a:t>
+            </a:r>
+            <a:r>
+              <a:rPr lang="tr-TR" dirty="0">
+                <a:latin typeface="Times New Roman" panose="02020603050405020304" pitchFamily="18" charset="0"/>
+                <a:cs typeface="Times New Roman" panose="02020603050405020304" pitchFamily="18" charset="0"/>
+              </a:rPr>
+              <a:t> dili ise günümüzde Android programlamada kullanılan popüler bir programlama dili olmasının yanı sıra, uygulamanın geliştirilmesini daha güvenli ve etkili kılar.</a:t>
+            </a:r>
+          </a:p>
+        </p:txBody>
+      </p:sp>
+    </p:spTree>
+    <p:extLst>
+      <p:ext uri="{BB962C8B-B14F-4D97-AF65-F5344CB8AC3E}">
+        <p14:creationId xmlns="" xmlns:p14="http://schemas.microsoft.com/office/powerpoint/2010/main" val="3736469890"/>
+      </p:ext>
+    </p:extLst>
+  </p:cSld>
+  <p:clrMapOvr>
+    <a:masterClrMapping/>
+  </p:clrMapOvr>
+  <p:timing>
+    <p:tnLst>
+      <p:par>
+        <p:cTn id="1" dur="indefinite" restart="never" nodeType="tmRoot"/>
+      </p:par>
+    </p:tnLst>
+  </p:timing>
+</p:sld>
+</file>
+
+<file path=ppt/slides/slide15.xml><?xml version="1.0" encoding="utf-8"?>
+<p:sld xmlns:a="http://schemas.openxmlformats.org/drawingml/2006/main" xmlns:r="http://schemas.openxmlformats.org/officeDocument/2006/relationships" xmlns:p="http://schemas.openxmlformats.org/presentationml/2006/main">
+  <p:cSld>
+    <p:spTree>
+      <p:nvGrpSpPr>
+        <p:cNvPr id="1" name=""/>
+        <p:cNvGrpSpPr/>
+        <p:nvPr/>
+      </p:nvGrpSpPr>
+      <p:grpSpPr>
+        <a:xfrm>
+          <a:off x="0" y="0"/>
+          <a:ext cx="0" cy="0"/>
+          <a:chOff x="0" y="0"/>
+          <a:chExt cx="0" cy="0"/>
+        </a:xfrm>
+      </p:grpSpPr>
+      <p:sp>
+        <p:nvSpPr>
           <p:cNvPr id="2" name="Başlık 1">
             <a:extLst>
               <a:ext uri="{FF2B5EF4-FFF2-40B4-BE49-F238E27FC236}">
-                <a16:creationId xmlns:a16="http://schemas.microsoft.com/office/drawing/2014/main" id="{A58E68DC-9BD1-5830-0903-B68192D875C2}"/>
+                <a16:creationId xmlns="" xmlns:a16="http://schemas.microsoft.com/office/drawing/2014/main" id="{A58E68DC-9BD1-5830-0903-B68192D875C2}"/>
               </a:ext>
             </a:extLst>
           </p:cNvPr>
@@ -13244,7 +13484,7 @@
           <p:cNvPr id="3074" name="Picture 2">
             <a:extLst>
               <a:ext uri="{FF2B5EF4-FFF2-40B4-BE49-F238E27FC236}">
-                <a16:creationId xmlns:a16="http://schemas.microsoft.com/office/drawing/2014/main" id="{0D716D4D-0858-7AF1-70A4-495E9731118A}"/>
+                <a16:creationId xmlns="" xmlns:a16="http://schemas.microsoft.com/office/drawing/2014/main" id="{0D716D4D-0858-7AF1-70A4-495E9731118A}"/>
               </a:ext>
             </a:extLst>
           </p:cNvPr>
@@ -13257,7 +13497,7 @@
           <a:blip r:embed="rId2">
             <a:extLst>
               <a:ext uri="{28A0092B-C50C-407E-A947-70E740481C1C}">
-                <a14:useLocalDpi xmlns:a14="http://schemas.microsoft.com/office/drawing/2010/main" val="0"/>
+                <a14:useLocalDpi xmlns="" xmlns:a14="http://schemas.microsoft.com/office/drawing/2010/main" val="0"/>
               </a:ext>
             </a:extLst>
           </a:blip>
@@ -13277,7 +13517,7 @@
           <a:noFill/>
           <a:extLst>
             <a:ext uri="{909E8E84-426E-40DD-AFC4-6F175D3DCCD1}">
-              <a14:hiddenFill xmlns:a14="http://schemas.microsoft.com/office/drawing/2010/main">
+              <a14:hiddenFill xmlns="" xmlns:a14="http://schemas.microsoft.com/office/drawing/2010/main">
                 <a:solidFill>
                   <a:srgbClr val="FFFFFF"/>
                 </a:solidFill>
@@ -13289,13 +13529,20 @@
     </p:spTree>
     <p:extLst>
       <p:ext uri="{BB962C8B-B14F-4D97-AF65-F5344CB8AC3E}">
-        <p14:creationId xmlns:p14="http://schemas.microsoft.com/office/powerpoint/2010/main" val="2113237751"/>
+        <p14:creationId xmlns="" xmlns:p14="http://schemas.microsoft.com/office/powerpoint/2010/main" val="2113237751"/>
       </p:ext>
     </p:extLst>
   </p:cSld>
   <p:clrMapOvr>
     <a:masterClrMapping/>
   </p:clrMapOvr>
+  <p:timing>
+    <p:tnLst>
+      <p:par>
+        <p:cTn id="1" dur="indefinite" restart="never" nodeType="tmRoot"/>
+      </p:par>
+    </p:tnLst>
+  </p:timing>
 </p:sld>
 </file>
 
@@ -13321,7 +13568,7 @@
           <p:cNvPr id="2" name="Başlık 1">
             <a:extLst>
               <a:ext uri="{FF2B5EF4-FFF2-40B4-BE49-F238E27FC236}">
-                <a16:creationId xmlns:a16="http://schemas.microsoft.com/office/drawing/2014/main" id="{908A47E4-0499-96BA-1D1E-1BB1261FF03E}"/>
+                <a16:creationId xmlns="" xmlns:a16="http://schemas.microsoft.com/office/drawing/2014/main" id="{908A47E4-0499-96BA-1D1E-1BB1261FF03E}"/>
               </a:ext>
             </a:extLst>
           </p:cNvPr>
@@ -13355,7 +13602,7 @@
           <p:cNvPr id="3" name="İçerik Yer Tutucusu 2">
             <a:extLst>
               <a:ext uri="{FF2B5EF4-FFF2-40B4-BE49-F238E27FC236}">
-                <a16:creationId xmlns:a16="http://schemas.microsoft.com/office/drawing/2014/main" id="{793066B5-71C9-AF23-09B9-1BBD6B9DE5CA}"/>
+                <a16:creationId xmlns="" xmlns:a16="http://schemas.microsoft.com/office/drawing/2014/main" id="{793066B5-71C9-AF23-09B9-1BBD6B9DE5CA}"/>
               </a:ext>
             </a:extLst>
           </p:cNvPr>
@@ -13402,13 +13649,20 @@
     </p:spTree>
     <p:extLst>
       <p:ext uri="{BB962C8B-B14F-4D97-AF65-F5344CB8AC3E}">
-        <p14:creationId xmlns:p14="http://schemas.microsoft.com/office/powerpoint/2010/main" val="1446022158"/>
+        <p14:creationId xmlns="" xmlns:p14="http://schemas.microsoft.com/office/powerpoint/2010/main" val="1446022158"/>
       </p:ext>
     </p:extLst>
   </p:cSld>
   <p:clrMapOvr>
     <a:masterClrMapping/>
   </p:clrMapOvr>
+  <p:timing>
+    <p:tnLst>
+      <p:par>
+        <p:cTn id="1" dur="indefinite" restart="never" nodeType="tmRoot"/>
+      </p:par>
+    </p:tnLst>
+  </p:timing>
 </p:sld>
 </file>
 
@@ -13434,7 +13688,7 @@
           <p:cNvPr id="2" name="Başlık 1">
             <a:extLst>
               <a:ext uri="{FF2B5EF4-FFF2-40B4-BE49-F238E27FC236}">
-                <a16:creationId xmlns:a16="http://schemas.microsoft.com/office/drawing/2014/main" id="{2300B27A-6AB1-9F4E-1F40-6A7724B34948}"/>
+                <a16:creationId xmlns="" xmlns:a16="http://schemas.microsoft.com/office/drawing/2014/main" id="{2300B27A-6AB1-9F4E-1F40-6A7724B34948}"/>
               </a:ext>
             </a:extLst>
           </p:cNvPr>
@@ -13468,7 +13722,7 @@
           <p:cNvPr id="3" name="İçerik Yer Tutucusu 2">
             <a:extLst>
               <a:ext uri="{FF2B5EF4-FFF2-40B4-BE49-F238E27FC236}">
-                <a16:creationId xmlns:a16="http://schemas.microsoft.com/office/drawing/2014/main" id="{CF56DE88-375B-90A6-76A5-3EB6B636D4A4}"/>
+                <a16:creationId xmlns="" xmlns:a16="http://schemas.microsoft.com/office/drawing/2014/main" id="{CF56DE88-375B-90A6-76A5-3EB6B636D4A4}"/>
               </a:ext>
             </a:extLst>
           </p:cNvPr>
@@ -13520,13 +13774,20 @@
     </p:spTree>
     <p:extLst>
       <p:ext uri="{BB962C8B-B14F-4D97-AF65-F5344CB8AC3E}">
-        <p14:creationId xmlns:p14="http://schemas.microsoft.com/office/powerpoint/2010/main" val="2379398188"/>
+        <p14:creationId xmlns="" xmlns:p14="http://schemas.microsoft.com/office/powerpoint/2010/main" val="2379398188"/>
       </p:ext>
     </p:extLst>
   </p:cSld>
   <p:clrMapOvr>
     <a:masterClrMapping/>
   </p:clrMapOvr>
+  <p:timing>
+    <p:tnLst>
+      <p:par>
+        <p:cTn id="1" dur="indefinite" restart="never" nodeType="tmRoot"/>
+      </p:par>
+    </p:tnLst>
+  </p:timing>
 </p:sld>
 </file>
 
@@ -13552,7 +13813,7 @@
           <p:cNvPr id="2" name="Başlık 1">
             <a:extLst>
               <a:ext uri="{FF2B5EF4-FFF2-40B4-BE49-F238E27FC236}">
-                <a16:creationId xmlns:a16="http://schemas.microsoft.com/office/drawing/2014/main" id="{3B097ABD-4171-DD4F-0F43-590C9D28247D}"/>
+                <a16:creationId xmlns="" xmlns:a16="http://schemas.microsoft.com/office/drawing/2014/main" id="{3B097ABD-4171-DD4F-0F43-590C9D28247D}"/>
               </a:ext>
             </a:extLst>
           </p:cNvPr>
@@ -13606,7 +13867,7 @@
           <p:cNvPr id="3" name="İçerik Yer Tutucusu 2">
             <a:extLst>
               <a:ext uri="{FF2B5EF4-FFF2-40B4-BE49-F238E27FC236}">
-                <a16:creationId xmlns:a16="http://schemas.microsoft.com/office/drawing/2014/main" id="{8486640B-9A64-CCB9-89B3-91B9B7F225EF}"/>
+                <a16:creationId xmlns="" xmlns:a16="http://schemas.microsoft.com/office/drawing/2014/main" id="{8486640B-9A64-CCB9-89B3-91B9B7F225EF}"/>
               </a:ext>
             </a:extLst>
           </p:cNvPr>
@@ -13640,13 +13901,20 @@
     </p:spTree>
     <p:extLst>
       <p:ext uri="{BB962C8B-B14F-4D97-AF65-F5344CB8AC3E}">
-        <p14:creationId xmlns:p14="http://schemas.microsoft.com/office/powerpoint/2010/main" val="110019527"/>
+        <p14:creationId xmlns="" xmlns:p14="http://schemas.microsoft.com/office/powerpoint/2010/main" val="110019527"/>
       </p:ext>
     </p:extLst>
   </p:cSld>
   <p:clrMapOvr>
     <a:masterClrMapping/>
   </p:clrMapOvr>
+  <p:timing>
+    <p:tnLst>
+      <p:par>
+        <p:cTn id="1" dur="indefinite" restart="never" nodeType="tmRoot"/>
+      </p:par>
+    </p:tnLst>
+  </p:timing>
 </p:sld>
 </file>
 
@@ -13669,13 +13937,7 @@
       </p:grpSpPr>
       <p:sp>
         <p:nvSpPr>
-          <p:cNvPr id="2" name="Başlık 1">
-            <a:extLst>
-              <a:ext uri="{FF2B5EF4-FFF2-40B4-BE49-F238E27FC236}">
-                <a16:creationId xmlns:a16="http://schemas.microsoft.com/office/drawing/2014/main" id="{F41370CE-ADEB-EA42-D08D-660AA115FE80}"/>
-              </a:ext>
-            </a:extLst>
-          </p:cNvPr>
+          <p:cNvPr id="2" name="1 Başlık"/>
           <p:cNvSpPr>
             <a:spLocks noGrp="1"/>
           </p:cNvSpPr>
@@ -13689,73 +13951,73 @@
           <a:lstStyle/>
           <a:p>
             <a:r>
-              <a:rPr lang="tr-TR" dirty="0">
+              <a:rPr lang="tr-TR" dirty="0" smtClean="0">
                 <a:solidFill>
                   <a:srgbClr val="FF0000"/>
                 </a:solidFill>
                 <a:latin typeface="Times New Roman" panose="02020603050405020304" pitchFamily="18" charset="0"/>
                 <a:cs typeface="Times New Roman" panose="02020603050405020304" pitchFamily="18" charset="0"/>
               </a:rPr>
-              <a:t>Gereksinimler</a:t>
-            </a:r>
-          </a:p>
-        </p:txBody>
-      </p:sp>
-      <p:sp>
-        <p:nvSpPr>
-          <p:cNvPr id="3" name="İçerik Yer Tutucusu 2">
-            <a:extLst>
-              <a:ext uri="{FF2B5EF4-FFF2-40B4-BE49-F238E27FC236}">
-                <a16:creationId xmlns:a16="http://schemas.microsoft.com/office/drawing/2014/main" id="{68145547-AAE3-19E2-89E0-A2F1DC9FD304}"/>
-              </a:ext>
-            </a:extLst>
-          </p:cNvPr>
-          <p:cNvSpPr>
-            <a:spLocks noGrp="1"/>
-          </p:cNvSpPr>
-          <p:nvPr>
-            <p:ph idx="1"/>
-          </p:nvPr>
-        </p:nvSpPr>
-        <p:spPr/>
-        <p:txBody>
-          <a:bodyPr/>
-          <a:lstStyle/>
-          <a:p>
-            <a:r>
-              <a:rPr lang="tr-TR" dirty="0">
+              <a:t>Olabilirlik(</a:t>
+            </a:r>
+            <a:r>
+              <a:rPr lang="tr-TR" dirty="0" err="1" smtClean="0">
+                <a:solidFill>
+                  <a:srgbClr val="FF0000"/>
+                </a:solidFill>
                 <a:latin typeface="Times New Roman" panose="02020603050405020304" pitchFamily="18" charset="0"/>
                 <a:cs typeface="Times New Roman" panose="02020603050405020304" pitchFamily="18" charset="0"/>
               </a:rPr>
-              <a:t>Projenin çalışması için gerekenler :</a:t>
-            </a:r>
-          </a:p>
-          <a:p>
-            <a:r>
-              <a:rPr lang="tr-TR" dirty="0">
+              <a:t>Feasibility</a:t>
+            </a:r>
+            <a:r>
+              <a:rPr lang="tr-TR" dirty="0" smtClean="0">
+                <a:solidFill>
+                  <a:srgbClr val="FF0000"/>
+                </a:solidFill>
                 <a:latin typeface="Times New Roman" panose="02020603050405020304" pitchFamily="18" charset="0"/>
                 <a:cs typeface="Times New Roman" panose="02020603050405020304" pitchFamily="18" charset="0"/>
               </a:rPr>
-              <a:t>Windows İşletim Sistemi kurulu olması.</a:t>
-            </a:r>
-          </a:p>
-          <a:p>
-            <a:r>
-              <a:rPr lang="tr-TR" dirty="0">
-                <a:latin typeface="Times New Roman" panose="02020603050405020304" pitchFamily="18" charset="0"/>
-                <a:cs typeface="Times New Roman" panose="02020603050405020304" pitchFamily="18" charset="0"/>
-              </a:rPr>
-              <a:t>Konsol Uygulamasının kurulumunun yapılmış olması. </a:t>
-            </a:r>
+              <a:t>)</a:t>
+            </a:r>
+            <a:endParaRPr lang="tr-TR" dirty="0"/>
           </a:p>
         </p:txBody>
       </p:sp>
+      <p:pic>
+        <p:nvPicPr>
+          <p:cNvPr id="1027" name="Picture 3"/>
+          <p:cNvPicPr>
+            <a:picLocks noChangeAspect="1" noChangeArrowheads="1"/>
+          </p:cNvPicPr>
+          <p:nvPr/>
+        </p:nvPicPr>
+        <p:blipFill>
+          <a:blip r:embed="rId2"/>
+          <a:srcRect/>
+          <a:stretch>
+            <a:fillRect/>
+          </a:stretch>
+        </p:blipFill>
+        <p:spPr bwMode="auto">
+          <a:xfrm>
+            <a:off x="3407901" y="2070060"/>
+            <a:ext cx="5353050" cy="3829050"/>
+          </a:xfrm>
+          <a:prstGeom prst="rect">
+            <a:avLst/>
+          </a:prstGeom>
+          <a:noFill/>
+          <a:ln w="9525">
+            <a:noFill/>
+            <a:miter lim="800000"/>
+            <a:headEnd/>
+            <a:tailEnd/>
+          </a:ln>
+          <a:effectLst/>
+        </p:spPr>
+      </p:pic>
     </p:spTree>
-    <p:extLst>
-      <p:ext uri="{BB962C8B-B14F-4D97-AF65-F5344CB8AC3E}">
-        <p14:creationId xmlns:p14="http://schemas.microsoft.com/office/powerpoint/2010/main" val="44006223"/>
-      </p:ext>
-    </p:extLst>
   </p:cSld>
   <p:clrMapOvr>
     <a:masterClrMapping/>
@@ -13785,7 +14047,7 @@
           <p:cNvPr id="2" name="Başlık 1">
             <a:extLst>
               <a:ext uri="{FF2B5EF4-FFF2-40B4-BE49-F238E27FC236}">
-                <a16:creationId xmlns:a16="http://schemas.microsoft.com/office/drawing/2014/main" id="{B299DB6E-DA9D-6155-D208-EC9DCE4D40C9}"/>
+                <a16:creationId xmlns="" xmlns:a16="http://schemas.microsoft.com/office/drawing/2014/main" id="{F41370CE-ADEB-EA42-D08D-660AA115FE80}"/>
               </a:ext>
             </a:extLst>
           </p:cNvPr>
@@ -13809,7 +14071,7 @@
                 <a:latin typeface="Times New Roman" panose="02020603050405020304" pitchFamily="18" charset="0"/>
                 <a:cs typeface="Times New Roman" panose="02020603050405020304" pitchFamily="18" charset="0"/>
               </a:rPr>
-              <a:t>Beklentiler</a:t>
+              <a:t>Gereksinimler</a:t>
             </a:r>
           </a:p>
         </p:txBody>
@@ -13819,7 +14081,7 @@
           <p:cNvPr id="3" name="İçerik Yer Tutucusu 2">
             <a:extLst>
               <a:ext uri="{FF2B5EF4-FFF2-40B4-BE49-F238E27FC236}">
-                <a16:creationId xmlns:a16="http://schemas.microsoft.com/office/drawing/2014/main" id="{BB227D98-0815-26E2-89F1-7A21F999C7E4}"/>
+                <a16:creationId xmlns="" xmlns:a16="http://schemas.microsoft.com/office/drawing/2014/main" id="{68145547-AAE3-19E2-89E0-A2F1DC9FD304}"/>
               </a:ext>
             </a:extLst>
           </p:cNvPr>
@@ -13840,23 +14102,16 @@
                 <a:latin typeface="Times New Roman" panose="02020603050405020304" pitchFamily="18" charset="0"/>
                 <a:cs typeface="Times New Roman" panose="02020603050405020304" pitchFamily="18" charset="0"/>
               </a:rPr>
-              <a:t>Sistem açık olduğu sürece verilerin her 15 dk içinde akması durumu vardır.</a:t>
-            </a:r>
-          </a:p>
-          <a:p>
-            <a:r>
-              <a:rPr lang="tr-TR" dirty="0" err="1">
-                <a:latin typeface="Times New Roman" panose="02020603050405020304" pitchFamily="18" charset="0"/>
-                <a:cs typeface="Times New Roman" panose="02020603050405020304" pitchFamily="18" charset="0"/>
-              </a:rPr>
-              <a:t>Veritabanı</a:t>
-            </a:r>
+              <a:t>Projenin çalışması için gerekenler :</a:t>
+            </a:r>
+          </a:p>
+          <a:p>
             <a:r>
               <a:rPr lang="tr-TR" dirty="0">
                 <a:latin typeface="Times New Roman" panose="02020603050405020304" pitchFamily="18" charset="0"/>
                 <a:cs typeface="Times New Roman" panose="02020603050405020304" pitchFamily="18" charset="0"/>
               </a:rPr>
-              <a:t> ile bağlantısının aktif olarak sağlanıyor olması.</a:t>
+              <a:t>Windows İşletim Sistemi kurulu olması.</a:t>
             </a:r>
           </a:p>
           <a:p>
@@ -13865,7 +14120,7 @@
                 <a:latin typeface="Times New Roman" panose="02020603050405020304" pitchFamily="18" charset="0"/>
                 <a:cs typeface="Times New Roman" panose="02020603050405020304" pitchFamily="18" charset="0"/>
               </a:rPr>
-              <a:t>Bilgisayar arayüzünün kullanıcıların isteği doğrultusunda kullanılabilmesi.</a:t>
+              <a:t>Konsol Uygulamasının kurulumunun yapılmış olması. </a:t>
             </a:r>
           </a:p>
         </p:txBody>
@@ -13873,13 +14128,20 @@
     </p:spTree>
     <p:extLst>
       <p:ext uri="{BB962C8B-B14F-4D97-AF65-F5344CB8AC3E}">
-        <p14:creationId xmlns:p14="http://schemas.microsoft.com/office/powerpoint/2010/main" val="780190257"/>
+        <p14:creationId xmlns="" xmlns:p14="http://schemas.microsoft.com/office/powerpoint/2010/main" val="44006223"/>
       </p:ext>
     </p:extLst>
   </p:cSld>
   <p:clrMapOvr>
     <a:masterClrMapping/>
   </p:clrMapOvr>
+  <p:timing>
+    <p:tnLst>
+      <p:par>
+        <p:cTn id="1" dur="indefinite" restart="never" nodeType="tmRoot"/>
+      </p:par>
+    </p:tnLst>
+  </p:timing>
 </p:sld>
 </file>
 
@@ -13905,7 +14167,7 @@
           <p:cNvPr id="2" name="Başlık 1">
             <a:extLst>
               <a:ext uri="{FF2B5EF4-FFF2-40B4-BE49-F238E27FC236}">
-                <a16:creationId xmlns:a16="http://schemas.microsoft.com/office/drawing/2014/main" id="{D6AD9FA0-7D7A-B273-6D3E-F1EA5F1A865B}"/>
+                <a16:creationId xmlns="" xmlns:a16="http://schemas.microsoft.com/office/drawing/2014/main" id="{B299DB6E-DA9D-6155-D208-EC9DCE4D40C9}"/>
               </a:ext>
             </a:extLst>
           </p:cNvPr>
@@ -13929,7 +14191,7 @@
                 <a:latin typeface="Times New Roman" panose="02020603050405020304" pitchFamily="18" charset="0"/>
                 <a:cs typeface="Times New Roman" panose="02020603050405020304" pitchFamily="18" charset="0"/>
               </a:rPr>
-              <a:t>Süreç Analizi</a:t>
+              <a:t>Beklentiler</a:t>
             </a:r>
           </a:p>
         </p:txBody>
@@ -13939,7 +14201,134 @@
           <p:cNvPr id="3" name="İçerik Yer Tutucusu 2">
             <a:extLst>
               <a:ext uri="{FF2B5EF4-FFF2-40B4-BE49-F238E27FC236}">
-                <a16:creationId xmlns:a16="http://schemas.microsoft.com/office/drawing/2014/main" id="{0204E00E-B6C4-A169-0AD3-104B98C076D2}"/>
+                <a16:creationId xmlns="" xmlns:a16="http://schemas.microsoft.com/office/drawing/2014/main" id="{BB227D98-0815-26E2-89F1-7A21F999C7E4}"/>
+              </a:ext>
+            </a:extLst>
+          </p:cNvPr>
+          <p:cNvSpPr>
+            <a:spLocks noGrp="1"/>
+          </p:cNvSpPr>
+          <p:nvPr>
+            <p:ph idx="1"/>
+          </p:nvPr>
+        </p:nvSpPr>
+        <p:spPr/>
+        <p:txBody>
+          <a:bodyPr/>
+          <a:lstStyle/>
+          <a:p>
+            <a:r>
+              <a:rPr lang="tr-TR" dirty="0">
+                <a:latin typeface="Times New Roman" panose="02020603050405020304" pitchFamily="18" charset="0"/>
+                <a:cs typeface="Times New Roman" panose="02020603050405020304" pitchFamily="18" charset="0"/>
+              </a:rPr>
+              <a:t>Sistem açık olduğu sürece verilerin her 15 dk içinde akması durumu vardır.</a:t>
+            </a:r>
+          </a:p>
+          <a:p>
+            <a:r>
+              <a:rPr lang="tr-TR" dirty="0" err="1">
+                <a:latin typeface="Times New Roman" panose="02020603050405020304" pitchFamily="18" charset="0"/>
+                <a:cs typeface="Times New Roman" panose="02020603050405020304" pitchFamily="18" charset="0"/>
+              </a:rPr>
+              <a:t>Veritabanı</a:t>
+            </a:r>
+            <a:r>
+              <a:rPr lang="tr-TR" dirty="0">
+                <a:latin typeface="Times New Roman" panose="02020603050405020304" pitchFamily="18" charset="0"/>
+                <a:cs typeface="Times New Roman" panose="02020603050405020304" pitchFamily="18" charset="0"/>
+              </a:rPr>
+              <a:t> ile bağlantısının aktif olarak sağlanıyor olması.</a:t>
+            </a:r>
+          </a:p>
+          <a:p>
+            <a:r>
+              <a:rPr lang="tr-TR" dirty="0">
+                <a:latin typeface="Times New Roman" panose="02020603050405020304" pitchFamily="18" charset="0"/>
+                <a:cs typeface="Times New Roman" panose="02020603050405020304" pitchFamily="18" charset="0"/>
+              </a:rPr>
+              <a:t>Bilgisayar arayüzünün kullanıcıların isteği doğrultusunda kullanılabilmesi.</a:t>
+            </a:r>
+          </a:p>
+        </p:txBody>
+      </p:sp>
+    </p:spTree>
+    <p:extLst>
+      <p:ext uri="{BB962C8B-B14F-4D97-AF65-F5344CB8AC3E}">
+        <p14:creationId xmlns="" xmlns:p14="http://schemas.microsoft.com/office/powerpoint/2010/main" val="780190257"/>
+      </p:ext>
+    </p:extLst>
+  </p:cSld>
+  <p:clrMapOvr>
+    <a:masterClrMapping/>
+  </p:clrMapOvr>
+  <p:timing>
+    <p:tnLst>
+      <p:par>
+        <p:cTn id="1" dur="indefinite" restart="never" nodeType="tmRoot"/>
+      </p:par>
+    </p:tnLst>
+  </p:timing>
+</p:sld>
+</file>
+
+<file path=ppt/slides/slide8.xml><?xml version="1.0" encoding="utf-8"?>
+<p:sld xmlns:a="http://schemas.openxmlformats.org/drawingml/2006/main" xmlns:r="http://schemas.openxmlformats.org/officeDocument/2006/relationships" xmlns:p="http://schemas.openxmlformats.org/presentationml/2006/main">
+  <p:cSld>
+    <p:spTree>
+      <p:nvGrpSpPr>
+        <p:cNvPr id="1" name=""/>
+        <p:cNvGrpSpPr/>
+        <p:nvPr/>
+      </p:nvGrpSpPr>
+      <p:grpSpPr>
+        <a:xfrm>
+          <a:off x="0" y="0"/>
+          <a:ext cx="0" cy="0"/>
+          <a:chOff x="0" y="0"/>
+          <a:chExt cx="0" cy="0"/>
+        </a:xfrm>
+      </p:grpSpPr>
+      <p:sp>
+        <p:nvSpPr>
+          <p:cNvPr id="2" name="Başlık 1">
+            <a:extLst>
+              <a:ext uri="{FF2B5EF4-FFF2-40B4-BE49-F238E27FC236}">
+                <a16:creationId xmlns="" xmlns:a16="http://schemas.microsoft.com/office/drawing/2014/main" id="{D6AD9FA0-7D7A-B273-6D3E-F1EA5F1A865B}"/>
+              </a:ext>
+            </a:extLst>
+          </p:cNvPr>
+          <p:cNvSpPr>
+            <a:spLocks noGrp="1"/>
+          </p:cNvSpPr>
+          <p:nvPr>
+            <p:ph type="title"/>
+          </p:nvPr>
+        </p:nvSpPr>
+        <p:spPr/>
+        <p:txBody>
+          <a:bodyPr/>
+          <a:lstStyle/>
+          <a:p>
+            <a:r>
+              <a:rPr lang="tr-TR" dirty="0">
+                <a:solidFill>
+                  <a:srgbClr val="FF0000"/>
+                </a:solidFill>
+                <a:latin typeface="Times New Roman" panose="02020603050405020304" pitchFamily="18" charset="0"/>
+                <a:cs typeface="Times New Roman" panose="02020603050405020304" pitchFamily="18" charset="0"/>
+              </a:rPr>
+              <a:t>Süreç Analizi</a:t>
+            </a:r>
+          </a:p>
+        </p:txBody>
+      </p:sp>
+      <p:sp>
+        <p:nvSpPr>
+          <p:cNvPr id="3" name="İçerik Yer Tutucusu 2">
+            <a:extLst>
+              <a:ext uri="{FF2B5EF4-FFF2-40B4-BE49-F238E27FC236}">
+                <a16:creationId xmlns="" xmlns:a16="http://schemas.microsoft.com/office/drawing/2014/main" id="{0204E00E-B6C4-A169-0AD3-104B98C076D2}"/>
               </a:ext>
             </a:extLst>
           </p:cNvPr>
@@ -13978,7 +14367,7 @@
           <p:cNvPr id="4" name="Image3">
             <a:extLst>
               <a:ext uri="{FF2B5EF4-FFF2-40B4-BE49-F238E27FC236}">
-                <a16:creationId xmlns:a16="http://schemas.microsoft.com/office/drawing/2014/main" id="{B60CA53A-5C38-5EE7-2C94-4AA18F3EBC2A}"/>
+                <a16:creationId xmlns="" xmlns:a16="http://schemas.microsoft.com/office/drawing/2014/main" id="{B60CA53A-5C38-5EE7-2C94-4AA18F3EBC2A}"/>
               </a:ext>
             </a:extLst>
           </p:cNvPr>
@@ -14006,165 +14395,20 @@
     </p:spTree>
     <p:extLst>
       <p:ext uri="{BB962C8B-B14F-4D97-AF65-F5344CB8AC3E}">
-        <p14:creationId xmlns:p14="http://schemas.microsoft.com/office/powerpoint/2010/main" val="1773972537"/>
+        <p14:creationId xmlns="" xmlns:p14="http://schemas.microsoft.com/office/powerpoint/2010/main" val="1773972537"/>
       </p:ext>
     </p:extLst>
   </p:cSld>
   <p:clrMapOvr>
     <a:masterClrMapping/>
   </p:clrMapOvr>
-</p:sld>
-</file>
-
-<file path=ppt/slides/slide8.xml><?xml version="1.0" encoding="utf-8"?>
-<p:sld xmlns:a="http://schemas.openxmlformats.org/drawingml/2006/main" xmlns:r="http://schemas.openxmlformats.org/officeDocument/2006/relationships" xmlns:p="http://schemas.openxmlformats.org/presentationml/2006/main">
-  <p:cSld>
-    <p:spTree>
-      <p:nvGrpSpPr>
-        <p:cNvPr id="1" name=""/>
-        <p:cNvGrpSpPr/>
-        <p:nvPr/>
-      </p:nvGrpSpPr>
-      <p:grpSpPr>
-        <a:xfrm>
-          <a:off x="0" y="0"/>
-          <a:ext cx="0" cy="0"/>
-          <a:chOff x="0" y="0"/>
-          <a:chExt cx="0" cy="0"/>
-        </a:xfrm>
-      </p:grpSpPr>
-      <p:sp>
-        <p:nvSpPr>
-          <p:cNvPr id="2" name="Başlık 1">
-            <a:extLst>
-              <a:ext uri="{FF2B5EF4-FFF2-40B4-BE49-F238E27FC236}">
-                <a16:creationId xmlns:a16="http://schemas.microsoft.com/office/drawing/2014/main" id="{57DC63D4-DBA8-EC8F-57DD-0F4F6ADD3144}"/>
-              </a:ext>
-            </a:extLst>
-          </p:cNvPr>
-          <p:cNvSpPr>
-            <a:spLocks noGrp="1"/>
-          </p:cNvSpPr>
-          <p:nvPr>
-            <p:ph type="title"/>
-          </p:nvPr>
-        </p:nvSpPr>
-        <p:spPr/>
-        <p:txBody>
-          <a:bodyPr/>
-          <a:lstStyle/>
-          <a:p>
-            <a:r>
-              <a:rPr lang="tr-TR" dirty="0">
-                <a:solidFill>
-                  <a:srgbClr val="FF0000"/>
-                </a:solidFill>
-                <a:latin typeface="Times New Roman" panose="02020603050405020304" pitchFamily="18" charset="0"/>
-                <a:cs typeface="Times New Roman" panose="02020603050405020304" pitchFamily="18" charset="0"/>
-              </a:rPr>
-              <a:t>Sistemin Tasarımı</a:t>
-            </a:r>
-          </a:p>
-        </p:txBody>
-      </p:sp>
-      <p:sp>
-        <p:nvSpPr>
-          <p:cNvPr id="3" name="İçerik Yer Tutucusu 2">
-            <a:extLst>
-              <a:ext uri="{FF2B5EF4-FFF2-40B4-BE49-F238E27FC236}">
-                <a16:creationId xmlns:a16="http://schemas.microsoft.com/office/drawing/2014/main" id="{25F5A807-AC9F-32FC-6AF4-75CC87B70A16}"/>
-              </a:ext>
-            </a:extLst>
-          </p:cNvPr>
-          <p:cNvSpPr>
-            <a:spLocks noGrp="1"/>
-          </p:cNvSpPr>
-          <p:nvPr>
-            <p:ph idx="1"/>
-          </p:nvPr>
-        </p:nvSpPr>
-        <p:spPr/>
-        <p:txBody>
-          <a:bodyPr>
-            <a:normAutofit lnSpcReduction="10000"/>
-          </a:bodyPr>
-          <a:lstStyle/>
-          <a:p>
-            <a:pPr algn="just"/>
-            <a:r>
-              <a:rPr lang="tr-TR" dirty="0">
-                <a:latin typeface="Times New Roman" panose="02020603050405020304" pitchFamily="18" charset="0"/>
-                <a:cs typeface="Times New Roman" panose="02020603050405020304" pitchFamily="18" charset="0"/>
-              </a:rPr>
-              <a:t>Proje, “Client-</a:t>
-            </a:r>
-            <a:r>
-              <a:rPr lang="tr-TR" dirty="0" err="1">
-                <a:latin typeface="Times New Roman" panose="02020603050405020304" pitchFamily="18" charset="0"/>
-                <a:cs typeface="Times New Roman" panose="02020603050405020304" pitchFamily="18" charset="0"/>
-              </a:rPr>
-              <a:t>Based</a:t>
-            </a:r>
-            <a:r>
-              <a:rPr lang="tr-TR" dirty="0">
-                <a:latin typeface="Times New Roman" panose="02020603050405020304" pitchFamily="18" charset="0"/>
-                <a:cs typeface="Times New Roman" panose="02020603050405020304" pitchFamily="18" charset="0"/>
-              </a:rPr>
-              <a:t>” Mimarisi üzerine kuruludur. Temel olarak sunucuya yalnızca veri depolama sorumluluğu verip, istemci tarafında sunum, uygulama ve veri erişim mantıklarının tamamı işlenir.</a:t>
-            </a:r>
-          </a:p>
-          <a:p>
-            <a:pPr algn="just"/>
-            <a:r>
-              <a:rPr lang="tr-TR" dirty="0">
-                <a:latin typeface="Times New Roman" panose="02020603050405020304" pitchFamily="18" charset="0"/>
-                <a:cs typeface="Times New Roman" panose="02020603050405020304" pitchFamily="18" charset="0"/>
-              </a:rPr>
-              <a:t>Programın üç tane yapı taşı vardır, bunlar :</a:t>
-            </a:r>
-          </a:p>
-          <a:p>
-            <a:pPr algn="just"/>
-            <a:r>
-              <a:rPr lang="tr-TR" dirty="0">
-                <a:latin typeface="Times New Roman" panose="02020603050405020304" pitchFamily="18" charset="0"/>
-                <a:cs typeface="Times New Roman" panose="02020603050405020304" pitchFamily="18" charset="0"/>
-              </a:rPr>
-              <a:t>Konsol uygulaması</a:t>
-            </a:r>
-          </a:p>
-          <a:p>
-            <a:pPr algn="just"/>
-            <a:r>
-              <a:rPr lang="tr-TR" dirty="0">
-                <a:latin typeface="Times New Roman" panose="02020603050405020304" pitchFamily="18" charset="0"/>
-                <a:cs typeface="Times New Roman" panose="02020603050405020304" pitchFamily="18" charset="0"/>
-              </a:rPr>
-              <a:t>Kullanıcı Arayüzü</a:t>
-            </a:r>
-          </a:p>
-          <a:p>
-            <a:pPr algn="just"/>
-            <a:r>
-              <a:rPr lang="tr-TR" dirty="0">
-                <a:latin typeface="Times New Roman" panose="02020603050405020304" pitchFamily="18" charset="0"/>
-                <a:cs typeface="Times New Roman" panose="02020603050405020304" pitchFamily="18" charset="0"/>
-              </a:rPr>
-              <a:t>Veri Tabanı</a:t>
-            </a:r>
-          </a:p>
-        </p:txBody>
-      </p:sp>
-    </p:spTree>
-    <p:extLst>
-      <p:ext uri="{BB962C8B-B14F-4D97-AF65-F5344CB8AC3E}">
-        <p14:creationId xmlns:p14="http://schemas.microsoft.com/office/powerpoint/2010/main" val="1465620499"/>
-      </p:ext>
-    </p:extLst>
-  </p:cSld>
-  <p:clrMapOvr>
-    <a:masterClrMapping/>
-  </p:clrMapOvr>
+  <p:timing>
+    <p:tnLst>
+      <p:par>
+        <p:cTn id="1" dur="indefinite" restart="never" nodeType="tmRoot"/>
+      </p:par>
+    </p:tnLst>
+  </p:timing>
 </p:sld>
 </file>
 
@@ -14190,7 +14434,7 @@
           <p:cNvPr id="2" name="Başlık 1">
             <a:extLst>
               <a:ext uri="{FF2B5EF4-FFF2-40B4-BE49-F238E27FC236}">
-                <a16:creationId xmlns:a16="http://schemas.microsoft.com/office/drawing/2014/main" id="{8F87EFE0-6E6C-0FD2-126E-C51A2DCBD427}"/>
+                <a16:creationId xmlns="" xmlns:a16="http://schemas.microsoft.com/office/drawing/2014/main" id="{57DC63D4-DBA8-EC8F-57DD-0F4F6ADD3144}"/>
               </a:ext>
             </a:extLst>
           </p:cNvPr>
@@ -14214,7 +14458,7 @@
                 <a:latin typeface="Times New Roman" panose="02020603050405020304" pitchFamily="18" charset="0"/>
                 <a:cs typeface="Times New Roman" panose="02020603050405020304" pitchFamily="18" charset="0"/>
               </a:rPr>
-              <a:t>Konsol Uygulaması</a:t>
+              <a:t>Sistemin Tasarımı</a:t>
             </a:r>
           </a:p>
         </p:txBody>
@@ -14224,7 +14468,7 @@
           <p:cNvPr id="3" name="İçerik Yer Tutucusu 2">
             <a:extLst>
               <a:ext uri="{FF2B5EF4-FFF2-40B4-BE49-F238E27FC236}">
-                <a16:creationId xmlns:a16="http://schemas.microsoft.com/office/drawing/2014/main" id="{024E29BB-1AFE-E443-E3A8-711B31724102}"/>
+                <a16:creationId xmlns="" xmlns:a16="http://schemas.microsoft.com/office/drawing/2014/main" id="{25F5A807-AC9F-32FC-6AF4-75CC87B70A16}"/>
               </a:ext>
             </a:extLst>
           </p:cNvPr>
@@ -14235,89 +14479,95 @@
             <p:ph idx="1"/>
           </p:nvPr>
         </p:nvSpPr>
-        <p:spPr>
-          <a:xfrm>
-            <a:off x="7536402" y="1614395"/>
-            <a:ext cx="3817398" cy="4562567"/>
-          </a:xfrm>
-        </p:spPr>
+        <p:spPr/>
         <p:txBody>
-          <a:bodyPr/>
+          <a:bodyPr>
+            <a:normAutofit lnSpcReduction="10000"/>
+          </a:bodyPr>
           <a:lstStyle/>
           <a:p>
             <a:pPr algn="just"/>
             <a:r>
-              <a:rPr lang="tr-TR" dirty="0"/>
-              <a:t>Konsol    uygulaması, programı </a:t>
-            </a:r>
-            <a:r>
-              <a:rPr lang="tr-TR" dirty="0" err="1"/>
-              <a:t>veritabanı</a:t>
-            </a:r>
-            <a:r>
-              <a:rPr lang="tr-TR" dirty="0"/>
-              <a:t> ile bağlanmasını sağlayan, uygulamaları çeken ve görsel herhangi bir özelliği bulunmayan bir parçadır.</a:t>
+              <a:rPr lang="tr-TR" dirty="0">
+                <a:latin typeface="Times New Roman" panose="02020603050405020304" pitchFamily="18" charset="0"/>
+                <a:cs typeface="Times New Roman" panose="02020603050405020304" pitchFamily="18" charset="0"/>
+              </a:rPr>
+              <a:t>Proje, “Client-</a:t>
+            </a:r>
+            <a:r>
+              <a:rPr lang="tr-TR" dirty="0" err="1">
+                <a:latin typeface="Times New Roman" panose="02020603050405020304" pitchFamily="18" charset="0"/>
+                <a:cs typeface="Times New Roman" panose="02020603050405020304" pitchFamily="18" charset="0"/>
+              </a:rPr>
+              <a:t>Based</a:t>
+            </a:r>
+            <a:r>
+              <a:rPr lang="tr-TR" dirty="0">
+                <a:latin typeface="Times New Roman" panose="02020603050405020304" pitchFamily="18" charset="0"/>
+                <a:cs typeface="Times New Roman" panose="02020603050405020304" pitchFamily="18" charset="0"/>
+              </a:rPr>
+              <a:t>” Mimarisi üzerine kuruludur. Temel olarak sunucuya yalnızca veri depolama sorumluluğu verip, istemci tarafında sunum, uygulama ve veri erişim mantıklarının tamamı işlenir.</a:t>
+            </a:r>
+          </a:p>
+          <a:p>
+            <a:pPr algn="just"/>
+            <a:r>
+              <a:rPr lang="tr-TR" dirty="0">
+                <a:latin typeface="Times New Roman" panose="02020603050405020304" pitchFamily="18" charset="0"/>
+                <a:cs typeface="Times New Roman" panose="02020603050405020304" pitchFamily="18" charset="0"/>
+              </a:rPr>
+              <a:t>Programın üç tane yapı taşı vardır, bunlar :</a:t>
+            </a:r>
+          </a:p>
+          <a:p>
+            <a:pPr algn="just"/>
+            <a:r>
+              <a:rPr lang="tr-TR" dirty="0">
+                <a:latin typeface="Times New Roman" panose="02020603050405020304" pitchFamily="18" charset="0"/>
+                <a:cs typeface="Times New Roman" panose="02020603050405020304" pitchFamily="18" charset="0"/>
+              </a:rPr>
+              <a:t>Konsol uygulaması</a:t>
+            </a:r>
+          </a:p>
+          <a:p>
+            <a:pPr algn="just"/>
+            <a:r>
+              <a:rPr lang="tr-TR" dirty="0">
+                <a:latin typeface="Times New Roman" panose="02020603050405020304" pitchFamily="18" charset="0"/>
+                <a:cs typeface="Times New Roman" panose="02020603050405020304" pitchFamily="18" charset="0"/>
+              </a:rPr>
+              <a:t>Kullanıcı Arayüzü</a:t>
+            </a:r>
+          </a:p>
+          <a:p>
+            <a:pPr algn="just"/>
+            <a:r>
+              <a:rPr lang="tr-TR" dirty="0">
+                <a:latin typeface="Times New Roman" panose="02020603050405020304" pitchFamily="18" charset="0"/>
+                <a:cs typeface="Times New Roman" panose="02020603050405020304" pitchFamily="18" charset="0"/>
+              </a:rPr>
+              <a:t>Veri Tabanı</a:t>
             </a:r>
           </a:p>
         </p:txBody>
       </p:sp>
-      <p:pic>
-        <p:nvPicPr>
-          <p:cNvPr id="1028" name="Picture 4">
-            <a:extLst>
-              <a:ext uri="{FF2B5EF4-FFF2-40B4-BE49-F238E27FC236}">
-                <a16:creationId xmlns:a16="http://schemas.microsoft.com/office/drawing/2014/main" id="{D3303B77-83ED-7E54-8D54-DD096FE64C1D}"/>
-              </a:ext>
-            </a:extLst>
-          </p:cNvPr>
-          <p:cNvPicPr>
-            <a:picLocks noChangeAspect="1" noChangeArrowheads="1"/>
-          </p:cNvPicPr>
-          <p:nvPr/>
-        </p:nvPicPr>
-        <p:blipFill>
-          <a:blip r:embed="rId2">
-            <a:extLst>
-              <a:ext uri="{28A0092B-C50C-407E-A947-70E740481C1C}">
-                <a14:useLocalDpi xmlns:a14="http://schemas.microsoft.com/office/drawing/2010/main" val="0"/>
-              </a:ext>
-            </a:extLst>
-          </a:blip>
-          <a:srcRect/>
-          <a:stretch>
-            <a:fillRect/>
-          </a:stretch>
-        </p:blipFill>
-        <p:spPr bwMode="auto">
-          <a:xfrm>
-            <a:off x="463581" y="1614396"/>
-            <a:ext cx="6532023" cy="4562567"/>
-          </a:xfrm>
-          <a:prstGeom prst="rect">
-            <a:avLst/>
-          </a:prstGeom>
-          <a:noFill/>
-          <a:extLst>
-            <a:ext uri="{909E8E84-426E-40DD-AFC4-6F175D3DCCD1}">
-              <a14:hiddenFill xmlns:a14="http://schemas.microsoft.com/office/drawing/2010/main">
-                <a:solidFill>
-                  <a:srgbClr val="FFFFFF"/>
-                </a:solidFill>
-              </a14:hiddenFill>
-            </a:ext>
-          </a:extLst>
-        </p:spPr>
-      </p:pic>
     </p:spTree>
     <p:extLst>
       <p:ext uri="{BB962C8B-B14F-4D97-AF65-F5344CB8AC3E}">
-        <p14:creationId xmlns:p14="http://schemas.microsoft.com/office/powerpoint/2010/main" val="1596982248"/>
+        <p14:creationId xmlns="" xmlns:p14="http://schemas.microsoft.com/office/powerpoint/2010/main" val="1465620499"/>
       </p:ext>
     </p:extLst>
   </p:cSld>
   <p:clrMapOvr>
     <a:masterClrMapping/>
   </p:clrMapOvr>
+  <p:timing>
+    <p:tnLst>
+      <p:par>
+        <p:cTn id="1" dur="indefinite" restart="never" nodeType="tmRoot"/>
+      </p:par>
+    </p:tnLst>
+  </p:timing>
 </p:sld>
 </file>
 
@@ -14364,7 +14614,7 @@
     </a:clrScheme>
     <a:fontScheme name="Devre">
       <a:majorFont>
-        <a:latin typeface="Tw Cen MT" panose="020B0602020104020603"/>
+        <a:latin typeface="Tw Cen MT"/>
         <a:ea typeface=""/>
         <a:cs typeface=""/>
         <a:font script="Jpan" typeface="ＭＳ Ｐゴシック"/>
@@ -14399,7 +14649,7 @@
         <a:font script="Geor" typeface="Sylfaen"/>
       </a:majorFont>
       <a:minorFont>
-        <a:latin typeface="Tw Cen MT" panose="020B0602020104020603"/>
+        <a:latin typeface="Tw Cen MT"/>
         <a:ea typeface=""/>
         <a:cs typeface=""/>
         <a:font script="Jpan" typeface="ＭＳ Ｐゴシック"/>
@@ -14566,7 +14816,7 @@
   <a:extraClrSchemeLst/>
   <a:extLst>
     <a:ext uri="{05A4C25C-085E-4340-85A3-A5531E510DB2}">
-      <thm15:themeFamily xmlns:thm15="http://schemas.microsoft.com/office/thememl/2012/main" name="Circuit" id="{0AC2F7E7-15F5-431C-B2A2-456FE929F56C}" vid="{0911B802-464C-4241-8DD9-B60FF88E379F}"/>
+      <thm15:themeFamily xmlns="" xmlns:thm15="http://schemas.microsoft.com/office/thememl/2012/main" name="Circuit" id="{0AC2F7E7-15F5-431C-B2A2-456FE929F56C}" vid="{0911B802-464C-4241-8DD9-B60FF88E379F}"/>
     </a:ext>
   </a:extLst>
 </a:theme>
